--- a/2025/2025-05-09-AI-Updates.pptx
+++ b/2025/2025-05-09-AI-Updates.pptx
@@ -5,7 +5,7 @@
     <p:sldMasterId id="2147483661" r:id="rId1"/>
   </p:sldMasterIdLst>
   <p:notesMasterIdLst>
-    <p:notesMasterId r:id="rId20"/>
+    <p:notesMasterId r:id="rId21"/>
   </p:notesMasterIdLst>
   <p:sldIdLst>
     <p:sldId id="256" r:id="rId2"/>
@@ -26,6 +26,7 @@
     <p:sldId id="271" r:id="rId17"/>
     <p:sldId id="272" r:id="rId18"/>
     <p:sldId id="273" r:id="rId19"/>
+    <p:sldId id="274" r:id="rId20"/>
   </p:sldIdLst>
   <p:sldSz cx="9144000" cy="5143500" type="screen16x9"/>
   <p:notesSz cx="6858000" cy="9144000"/>
@@ -967,7 +968,7 @@
   <p:cSld>
     <p:spTree>
       <p:nvGrpSpPr>
-        <p:cNvPr id="1" name="Shape 140"/>
+        <p:cNvPr id="1" name="Shape 144"/>
         <p:cNvGrpSpPr/>
         <p:nvPr/>
       </p:nvGrpSpPr>
@@ -981,7 +982,7 @@
       </p:grpSpPr>
       <p:sp>
         <p:nvSpPr>
-          <p:cNvPr id="141" name="Google Shape;141;g359a388368b_0_10:notes"/>
+          <p:cNvPr id="145" name="Google Shape;145;g35617c7e278_1_3:notes"/>
           <p:cNvSpPr>
             <a:spLocks noGrp="1" noRot="1" noChangeAspect="1"/>
           </p:cNvSpPr>
@@ -1032,7 +1033,7 @@
       </p:sp>
       <p:sp>
         <p:nvSpPr>
-          <p:cNvPr id="142" name="Google Shape;142;g359a388368b_0_10:notes"/>
+          <p:cNvPr id="146" name="Google Shape;146;g35617c7e278_1_3:notes"/>
           <p:cNvSpPr txBox="1">
             <a:spLocks noGrp="1"/>
           </p:cNvSpPr>
@@ -1089,7 +1090,7 @@
   <p:cSld>
     <p:spTree>
       <p:nvGrpSpPr>
-        <p:cNvPr id="1" name="Shape 149"/>
+        <p:cNvPr id="1" name="Shape 158"/>
         <p:cNvGrpSpPr/>
         <p:nvPr/>
       </p:nvGrpSpPr>
@@ -1103,7 +1104,7 @@
       </p:grpSpPr>
       <p:sp>
         <p:nvSpPr>
-          <p:cNvPr id="150" name="Google Shape;150;g359a388368b_1_2:notes"/>
+          <p:cNvPr id="159" name="Google Shape;159;g359a388368b_0_10:notes"/>
           <p:cNvSpPr>
             <a:spLocks noGrp="1" noRot="1" noChangeAspect="1"/>
           </p:cNvSpPr>
@@ -1154,7 +1155,7 @@
       </p:sp>
       <p:sp>
         <p:nvSpPr>
-          <p:cNvPr id="151" name="Google Shape;151;g359a388368b_1_2:notes"/>
+          <p:cNvPr id="160" name="Google Shape;160;g359a388368b_0_10:notes"/>
           <p:cNvSpPr txBox="1">
             <a:spLocks noGrp="1"/>
           </p:cNvSpPr>
@@ -1211,7 +1212,7 @@
   <p:cSld>
     <p:spTree>
       <p:nvGrpSpPr>
-        <p:cNvPr id="1" name="Shape 156"/>
+        <p:cNvPr id="1" name="Shape 169"/>
         <p:cNvGrpSpPr/>
         <p:nvPr/>
       </p:nvGrpSpPr>
@@ -1225,7 +1226,7 @@
       </p:grpSpPr>
       <p:sp>
         <p:nvSpPr>
-          <p:cNvPr id="157" name="Google Shape;157;g3560ba62aed_0_13:notes"/>
+          <p:cNvPr id="170" name="Google Shape;170;g359a388368b_1_2:notes"/>
           <p:cNvSpPr>
             <a:spLocks noGrp="1" noRot="1" noChangeAspect="1"/>
           </p:cNvSpPr>
@@ -1276,7 +1277,7 @@
       </p:sp>
       <p:sp>
         <p:nvSpPr>
-          <p:cNvPr id="158" name="Google Shape;158;g3560ba62aed_0_13:notes"/>
+          <p:cNvPr id="171" name="Google Shape;171;g359a388368b_1_2:notes"/>
           <p:cNvSpPr txBox="1">
             <a:spLocks noGrp="1"/>
           </p:cNvSpPr>
@@ -1333,7 +1334,7 @@
   <p:cSld>
     <p:spTree>
       <p:nvGrpSpPr>
-        <p:cNvPr id="1" name="Shape 162"/>
+        <p:cNvPr id="1" name="Shape 178"/>
         <p:cNvGrpSpPr/>
         <p:nvPr/>
       </p:nvGrpSpPr>
@@ -1347,7 +1348,7 @@
       </p:grpSpPr>
       <p:sp>
         <p:nvSpPr>
-          <p:cNvPr id="163" name="Google Shape;163;g3560ba62aed_0_3:notes"/>
+          <p:cNvPr id="179" name="Google Shape;179;g3560ba62aed_0_13:notes"/>
           <p:cNvSpPr>
             <a:spLocks noGrp="1" noRot="1" noChangeAspect="1"/>
           </p:cNvSpPr>
@@ -1398,7 +1399,7 @@
       </p:sp>
       <p:sp>
         <p:nvSpPr>
-          <p:cNvPr id="164" name="Google Shape;164;g3560ba62aed_0_3:notes"/>
+          <p:cNvPr id="180" name="Google Shape;180;g3560ba62aed_0_13:notes"/>
           <p:cNvSpPr txBox="1">
             <a:spLocks noGrp="1"/>
           </p:cNvSpPr>
@@ -1455,7 +1456,7 @@
   <p:cSld>
     <p:spTree>
       <p:nvGrpSpPr>
-        <p:cNvPr id="1" name="Shape 170"/>
+        <p:cNvPr id="1" name="Shape 185"/>
         <p:cNvGrpSpPr/>
         <p:nvPr/>
       </p:nvGrpSpPr>
@@ -1469,7 +1470,7 @@
       </p:grpSpPr>
       <p:sp>
         <p:nvSpPr>
-          <p:cNvPr id="171" name="Google Shape;171;g305080adffc_0_0:notes"/>
+          <p:cNvPr id="186" name="Google Shape;186;g3560ba62aed_0_3:notes"/>
           <p:cNvSpPr>
             <a:spLocks noGrp="1" noRot="1" noChangeAspect="1"/>
           </p:cNvSpPr>
@@ -1520,7 +1521,7 @@
       </p:sp>
       <p:sp>
         <p:nvSpPr>
-          <p:cNvPr id="172" name="Google Shape;172;g305080adffc_0_0:notes"/>
+          <p:cNvPr id="187" name="Google Shape;187;g3560ba62aed_0_3:notes"/>
           <p:cNvSpPr txBox="1">
             <a:spLocks noGrp="1"/>
           </p:cNvSpPr>
@@ -1577,7 +1578,7 @@
   <p:cSld>
     <p:spTree>
       <p:nvGrpSpPr>
-        <p:cNvPr id="1" name="Shape 179"/>
+        <p:cNvPr id="1" name="Shape 194"/>
         <p:cNvGrpSpPr/>
         <p:nvPr/>
       </p:nvGrpSpPr>
@@ -1591,7 +1592,129 @@
       </p:grpSpPr>
       <p:sp>
         <p:nvSpPr>
-          <p:cNvPr id="180" name="Google Shape;180;p21:notes"/>
+          <p:cNvPr id="195" name="Google Shape;195;g305080adffc_0_0:notes"/>
+          <p:cNvSpPr>
+            <a:spLocks noGrp="1" noRot="1" noChangeAspect="1"/>
+          </p:cNvSpPr>
+          <p:nvPr>
+            <p:ph type="sldImg" idx="2"/>
+          </p:nvPr>
+        </p:nvSpPr>
+        <p:spPr>
+          <a:xfrm>
+            <a:off x="381000" y="685800"/>
+            <a:ext cx="6096000" cy="3429000"/>
+          </a:xfrm>
+          <a:custGeom>
+            <a:avLst/>
+            <a:gdLst/>
+            <a:ahLst/>
+            <a:cxnLst/>
+            <a:rect l="l" t="t" r="r" b="b"/>
+            <a:pathLst>
+              <a:path w="120000" h="120000" extrusionOk="0">
+                <a:moveTo>
+                  <a:pt x="0" y="0"/>
+                </a:moveTo>
+                <a:lnTo>
+                  <a:pt x="120000" y="0"/>
+                </a:lnTo>
+                <a:lnTo>
+                  <a:pt x="120000" y="120000"/>
+                </a:lnTo>
+                <a:lnTo>
+                  <a:pt x="0" y="120000"/>
+                </a:lnTo>
+                <a:close/>
+              </a:path>
+            </a:pathLst>
+          </a:custGeom>
+          <a:noFill/>
+          <a:ln w="9525" cap="flat" cmpd="sng">
+            <a:solidFill>
+              <a:srgbClr val="000000"/>
+            </a:solidFill>
+            <a:prstDash val="solid"/>
+            <a:round/>
+            <a:headEnd type="none" w="sm" len="sm"/>
+            <a:tailEnd type="none" w="sm" len="sm"/>
+          </a:ln>
+        </p:spPr>
+      </p:sp>
+      <p:sp>
+        <p:nvSpPr>
+          <p:cNvPr id="196" name="Google Shape;196;g305080adffc_0_0:notes"/>
+          <p:cNvSpPr txBox="1">
+            <a:spLocks noGrp="1"/>
+          </p:cNvSpPr>
+          <p:nvPr>
+            <p:ph type="body" idx="1"/>
+          </p:nvPr>
+        </p:nvSpPr>
+        <p:spPr>
+          <a:xfrm>
+            <a:off x="685800" y="4343400"/>
+            <a:ext cx="5486400" cy="4114800"/>
+          </a:xfrm>
+          <a:prstGeom prst="rect">
+            <a:avLst/>
+          </a:prstGeom>
+          <a:noFill/>
+          <a:ln>
+            <a:noFill/>
+          </a:ln>
+        </p:spPr>
+        <p:txBody>
+          <a:bodyPr spcFirstLastPara="1" wrap="square" lIns="91425" tIns="91425" rIns="91425" bIns="91425" anchor="t" anchorCtr="0">
+            <a:noAutofit/>
+          </a:bodyPr>
+          <a:lstStyle/>
+          <a:p>
+            <a:pPr marL="0" lvl="0" indent="0" algn="l" rtl="0">
+              <a:lnSpc>
+                <a:spcPct val="100000"/>
+              </a:lnSpc>
+              <a:spcBef>
+                <a:spcPts val="0"/>
+              </a:spcBef>
+              <a:spcAft>
+                <a:spcPts val="0"/>
+              </a:spcAft>
+              <a:buSzPts val="1100"/>
+              <a:buNone/>
+            </a:pPr>
+            <a:endParaRPr/>
+          </a:p>
+        </p:txBody>
+      </p:sp>
+    </p:spTree>
+  </p:cSld>
+  <p:clrMapOvr>
+    <a:masterClrMapping/>
+  </p:clrMapOvr>
+</p:notes>
+</file>
+
+<file path=ppt/notesSlides/notesSlide16.xml><?xml version="1.0" encoding="utf-8"?>
+<p:notes xmlns:a="http://schemas.openxmlformats.org/drawingml/2006/main" xmlns:r="http://schemas.openxmlformats.org/officeDocument/2006/relationships" xmlns:p="http://schemas.openxmlformats.org/presentationml/2006/main" showMasterSp="0" showMasterPhAnim="0">
+  <p:cSld>
+    <p:spTree>
+      <p:nvGrpSpPr>
+        <p:cNvPr id="1" name="Shape 203"/>
+        <p:cNvGrpSpPr/>
+        <p:nvPr/>
+      </p:nvGrpSpPr>
+      <p:grpSpPr>
+        <a:xfrm>
+          <a:off x="0" y="0"/>
+          <a:ext cx="0" cy="0"/>
+          <a:chOff x="0" y="0"/>
+          <a:chExt cx="0" cy="0"/>
+        </a:xfrm>
+      </p:grpSpPr>
+      <p:sp>
+        <p:nvSpPr>
+          <p:cNvPr id="204" name="Google Shape;204;p21:notes"/>
           <p:cNvSpPr>
             <a:spLocks noGrp="1" noRot="1" noChangeAspect="1"/>
           </p:cNvSpPr>
@@ -1642,7 +1765,7 @@
       </p:sp>
       <p:sp>
         <p:nvSpPr>
-          <p:cNvPr id="181" name="Google Shape;181;p21:notes"/>
+          <p:cNvPr id="205" name="Google Shape;205;p21:notes"/>
           <p:cNvSpPr txBox="1">
             <a:spLocks noGrp="1"/>
           </p:cNvSpPr>
@@ -1694,12 +1817,12 @@
 </p:notes>
 </file>
 
-<file path=ppt/notesSlides/notesSlide16.xml><?xml version="1.0" encoding="utf-8"?>
+<file path=ppt/notesSlides/notesSlide17.xml><?xml version="1.0" encoding="utf-8"?>
 <p:notes xmlns:a="http://schemas.openxmlformats.org/drawingml/2006/main" xmlns:r="http://schemas.openxmlformats.org/officeDocument/2006/relationships" xmlns:p="http://schemas.openxmlformats.org/presentationml/2006/main" showMasterSp="0" showMasterPhAnim="0">
   <p:cSld>
     <p:spTree>
       <p:nvGrpSpPr>
-        <p:cNvPr id="1" name="Shape 248"/>
+        <p:cNvPr id="1" name="Shape 272"/>
         <p:cNvGrpSpPr/>
         <p:nvPr/>
       </p:nvGrpSpPr>
@@ -1713,7 +1836,7 @@
       </p:grpSpPr>
       <p:sp>
         <p:nvSpPr>
-          <p:cNvPr id="249" name="Google Shape;249;p23:notes"/>
+          <p:cNvPr id="273" name="Google Shape;273;p23:notes"/>
           <p:cNvSpPr>
             <a:spLocks noGrp="1" noRot="1" noChangeAspect="1"/>
           </p:cNvSpPr>
@@ -1764,7 +1887,7 @@
       </p:sp>
       <p:sp>
         <p:nvSpPr>
-          <p:cNvPr id="250" name="Google Shape;250;p23:notes"/>
+          <p:cNvPr id="274" name="Google Shape;274;p23:notes"/>
           <p:cNvSpPr txBox="1">
             <a:spLocks noGrp="1"/>
           </p:cNvSpPr>
@@ -1816,12 +1939,12 @@
 </p:notes>
 </file>
 
-<file path=ppt/notesSlides/notesSlide17.xml><?xml version="1.0" encoding="utf-8"?>
+<file path=ppt/notesSlides/notesSlide18.xml><?xml version="1.0" encoding="utf-8"?>
 <p:notes xmlns:a="http://schemas.openxmlformats.org/drawingml/2006/main" xmlns:r="http://schemas.openxmlformats.org/officeDocument/2006/relationships" xmlns:p="http://schemas.openxmlformats.org/presentationml/2006/main" showMasterSp="0" showMasterPhAnim="0">
   <p:cSld>
     <p:spTree>
       <p:nvGrpSpPr>
-        <p:cNvPr id="1" name="Shape 257"/>
+        <p:cNvPr id="1" name="Shape 281"/>
         <p:cNvGrpSpPr/>
         <p:nvPr/>
       </p:nvGrpSpPr>
@@ -1835,7 +1958,7 @@
       </p:grpSpPr>
       <p:sp>
         <p:nvSpPr>
-          <p:cNvPr id="258" name="Google Shape;258;p24:notes"/>
+          <p:cNvPr id="282" name="Google Shape;282;p24:notes"/>
           <p:cNvSpPr>
             <a:spLocks noGrp="1" noRot="1" noChangeAspect="1"/>
           </p:cNvSpPr>
@@ -1886,7 +2009,7 @@
       </p:sp>
       <p:sp>
         <p:nvSpPr>
-          <p:cNvPr id="259" name="Google Shape;259;p24:notes"/>
+          <p:cNvPr id="283" name="Google Shape;283;p24:notes"/>
           <p:cNvSpPr txBox="1">
             <a:spLocks noGrp="1"/>
           </p:cNvSpPr>
@@ -1938,12 +2061,12 @@
 </p:notes>
 </file>
 
-<file path=ppt/notesSlides/notesSlide18.xml><?xml version="1.0" encoding="utf-8"?>
+<file path=ppt/notesSlides/notesSlide19.xml><?xml version="1.0" encoding="utf-8"?>
 <p:notes xmlns:a="http://schemas.openxmlformats.org/drawingml/2006/main" xmlns:r="http://schemas.openxmlformats.org/officeDocument/2006/relationships" xmlns:p="http://schemas.openxmlformats.org/presentationml/2006/main" showMasterSp="0" showMasterPhAnim="0">
   <p:cSld>
     <p:spTree>
       <p:nvGrpSpPr>
-        <p:cNvPr id="1" name="Shape 267"/>
+        <p:cNvPr id="1" name="Shape 291"/>
         <p:cNvGrpSpPr/>
         <p:nvPr/>
       </p:nvGrpSpPr>
@@ -1957,7 +2080,7 @@
       </p:grpSpPr>
       <p:sp>
         <p:nvSpPr>
-          <p:cNvPr id="268" name="Google Shape;268;p25:notes"/>
+          <p:cNvPr id="292" name="Google Shape;292;p25:notes"/>
           <p:cNvSpPr>
             <a:spLocks noGrp="1" noRot="1" noChangeAspect="1"/>
           </p:cNvSpPr>
@@ -2008,7 +2131,7 @@
       </p:sp>
       <p:sp>
         <p:nvSpPr>
-          <p:cNvPr id="269" name="Google Shape;269;p25:notes"/>
+          <p:cNvPr id="293" name="Google Shape;293;p25:notes"/>
           <p:cNvSpPr txBox="1">
             <a:spLocks noGrp="1"/>
           </p:cNvSpPr>
@@ -2431,7 +2554,7 @@
   <p:cSld>
     <p:spTree>
       <p:nvGrpSpPr>
-        <p:cNvPr id="1" name="Shape 92"/>
+        <p:cNvPr id="1" name="Shape 93"/>
         <p:cNvGrpSpPr/>
         <p:nvPr/>
       </p:nvGrpSpPr>
@@ -2445,7 +2568,7 @@
       </p:grpSpPr>
       <p:sp>
         <p:nvSpPr>
-          <p:cNvPr id="93" name="Google Shape;93;g3599aa0b973_0_0:notes"/>
+          <p:cNvPr id="94" name="Google Shape;94;g3599aa0b973_0_0:notes"/>
           <p:cNvSpPr>
             <a:spLocks noGrp="1" noRot="1" noChangeAspect="1"/>
           </p:cNvSpPr>
@@ -2496,7 +2619,7 @@
       </p:sp>
       <p:sp>
         <p:nvSpPr>
-          <p:cNvPr id="94" name="Google Shape;94;g3599aa0b973_0_0:notes"/>
+          <p:cNvPr id="95" name="Google Shape;95;g3599aa0b973_0_0:notes"/>
           <p:cNvSpPr txBox="1">
             <a:spLocks noGrp="1"/>
           </p:cNvSpPr>
@@ -2553,7 +2676,7 @@
   <p:cSld>
     <p:spTree>
       <p:nvGrpSpPr>
-        <p:cNvPr id="1" name="Shape 106"/>
+        <p:cNvPr id="1" name="Shape 107"/>
         <p:cNvGrpSpPr/>
         <p:nvPr/>
       </p:nvGrpSpPr>
@@ -2567,7 +2690,7 @@
       </p:grpSpPr>
       <p:sp>
         <p:nvSpPr>
-          <p:cNvPr id="107" name="Google Shape;107;g3560ba62aed_1_0:notes"/>
+          <p:cNvPr id="108" name="Google Shape;108;g3560ba62aed_1_0:notes"/>
           <p:cNvSpPr>
             <a:spLocks noGrp="1" noRot="1" noChangeAspect="1"/>
           </p:cNvSpPr>
@@ -2618,7 +2741,7 @@
       </p:sp>
       <p:sp>
         <p:nvSpPr>
-          <p:cNvPr id="108" name="Google Shape;108;g3560ba62aed_1_0:notes"/>
+          <p:cNvPr id="109" name="Google Shape;109;g3560ba62aed_1_0:notes"/>
           <p:cNvSpPr txBox="1">
             <a:spLocks noGrp="1"/>
           </p:cNvSpPr>
@@ -2675,7 +2798,7 @@
   <p:cSld>
     <p:spTree>
       <p:nvGrpSpPr>
-        <p:cNvPr id="1" name="Shape 112"/>
+        <p:cNvPr id="1" name="Shape 113"/>
         <p:cNvGrpSpPr/>
         <p:nvPr/>
       </p:nvGrpSpPr>
@@ -2689,7 +2812,7 @@
       </p:grpSpPr>
       <p:sp>
         <p:nvSpPr>
-          <p:cNvPr id="113" name="Google Shape;113;g35537a0213e_0_0:notes"/>
+          <p:cNvPr id="114" name="Google Shape;114;g35537a0213e_0_0:notes"/>
           <p:cNvSpPr>
             <a:spLocks noGrp="1" noRot="1" noChangeAspect="1"/>
           </p:cNvSpPr>
@@ -2740,7 +2863,7 @@
       </p:sp>
       <p:sp>
         <p:nvSpPr>
-          <p:cNvPr id="114" name="Google Shape;114;g35537a0213e_0_0:notes"/>
+          <p:cNvPr id="115" name="Google Shape;115;g35537a0213e_0_0:notes"/>
           <p:cNvSpPr txBox="1">
             <a:spLocks noGrp="1"/>
           </p:cNvSpPr>
@@ -2797,7 +2920,7 @@
   <p:cSld>
     <p:spTree>
       <p:nvGrpSpPr>
-        <p:cNvPr id="1" name="Shape 121"/>
+        <p:cNvPr id="1" name="Shape 122"/>
         <p:cNvGrpSpPr/>
         <p:nvPr/>
       </p:nvGrpSpPr>
@@ -2811,7 +2934,7 @@
       </p:grpSpPr>
       <p:sp>
         <p:nvSpPr>
-          <p:cNvPr id="122" name="Google Shape;122;g3560ba62aed_0_22:notes"/>
+          <p:cNvPr id="123" name="Google Shape;123;g3560ba62aed_0_22:notes"/>
           <p:cNvSpPr>
             <a:spLocks noGrp="1" noRot="1" noChangeAspect="1"/>
           </p:cNvSpPr>
@@ -2862,7 +2985,7 @@
       </p:sp>
       <p:sp>
         <p:nvSpPr>
-          <p:cNvPr id="123" name="Google Shape;123;g3560ba62aed_0_22:notes"/>
+          <p:cNvPr id="124" name="Google Shape;124;g3560ba62aed_0_22:notes"/>
           <p:cNvSpPr txBox="1">
             <a:spLocks noGrp="1"/>
           </p:cNvSpPr>
@@ -2919,7 +3042,7 @@
   <p:cSld>
     <p:spTree>
       <p:nvGrpSpPr>
-        <p:cNvPr id="1" name="Shape 129"/>
+        <p:cNvPr id="1" name="Shape 135"/>
         <p:cNvGrpSpPr/>
         <p:nvPr/>
       </p:nvGrpSpPr>
@@ -2933,7 +3056,7 @@
       </p:grpSpPr>
       <p:sp>
         <p:nvSpPr>
-          <p:cNvPr id="130" name="Google Shape;130;g35992d75d78_2_0:notes"/>
+          <p:cNvPr id="136" name="Google Shape;136;g35992d75d78_2_0:notes"/>
           <p:cNvSpPr>
             <a:spLocks noGrp="1" noRot="1" noChangeAspect="1"/>
           </p:cNvSpPr>
@@ -2984,7 +3107,7 @@
       </p:sp>
       <p:sp>
         <p:nvSpPr>
-          <p:cNvPr id="131" name="Google Shape;131;g35992d75d78_2_0:notes"/>
+          <p:cNvPr id="137" name="Google Shape;137;g35992d75d78_2_0:notes"/>
           <p:cNvSpPr txBox="1">
             <a:spLocks noGrp="1"/>
           </p:cNvSpPr>
@@ -13243,7 +13366,7 @@
                 <a:cs typeface="Calibri"/>
                 <a:sym typeface="Calibri"/>
               </a:rPr>
-              <a:t>FutureHouse - 4 agents: Crow, Falcon, Owl, Phoenix</a:t>
+              <a:t>Cursor vs VSCode for Vibe Coding</a:t>
             </a:r>
             <a:endParaRPr sz="1500" b="1">
               <a:solidFill>
@@ -13283,7 +13406,7 @@
                 <a:cs typeface="Calibri"/>
                 <a:sym typeface="Calibri"/>
               </a:rPr>
-              <a:t>Cursor vs VSCode for Vibe Coding</a:t>
+              <a:t>FutureHouse - 4 agents: Crow, Falcon, Owl, Phoenix</a:t>
             </a:r>
             <a:endParaRPr sz="1500" b="1">
               <a:solidFill>
@@ -13744,7 +13867,7 @@
   <p:cSld>
     <p:spTree>
       <p:nvGrpSpPr>
-        <p:cNvPr id="1" name="Shape 143"/>
+        <p:cNvPr id="1" name="Shape 147"/>
         <p:cNvGrpSpPr/>
         <p:nvPr/>
       </p:nvGrpSpPr>
@@ -13758,7 +13881,7 @@
       </p:grpSpPr>
       <p:sp>
         <p:nvSpPr>
-          <p:cNvPr id="144" name="Google Shape;144;p24"/>
+          <p:cNvPr id="148" name="Google Shape;148;p24"/>
           <p:cNvSpPr txBox="1"/>
           <p:nvPr/>
         </p:nvSpPr>
@@ -13808,7 +13931,7 @@
                 <a:cs typeface="Calibri"/>
                 <a:sym typeface="Calibri"/>
               </a:rPr>
-              <a:t>AI Updates - 4</a:t>
+              <a:t>AI Updates - 3</a:t>
             </a:r>
             <a:endParaRPr sz="2000" b="1" i="0" u="none" strike="noStrike" cap="none">
               <a:solidFill>
@@ -13824,7 +13947,1100 @@
       </p:sp>
       <p:sp>
         <p:nvSpPr>
-          <p:cNvPr id="145" name="Google Shape;145;p24"/>
+          <p:cNvPr id="149" name="Google Shape;149;p24"/>
+          <p:cNvSpPr txBox="1"/>
+          <p:nvPr/>
+        </p:nvSpPr>
+        <p:spPr>
+          <a:xfrm>
+            <a:off x="55075" y="413500"/>
+            <a:ext cx="4452000" cy="1865400"/>
+          </a:xfrm>
+          <a:prstGeom prst="rect">
+            <a:avLst/>
+          </a:prstGeom>
+          <a:solidFill>
+            <a:srgbClr val="FFF2CC"/>
+          </a:solidFill>
+          <a:ln w="9525" cap="flat" cmpd="sng">
+            <a:solidFill>
+              <a:srgbClr val="FF0000"/>
+            </a:solidFill>
+            <a:prstDash val="solid"/>
+            <a:round/>
+            <a:headEnd type="none" w="sm" len="sm"/>
+            <a:tailEnd type="none" w="sm" len="sm"/>
+          </a:ln>
+        </p:spPr>
+        <p:txBody>
+          <a:bodyPr spcFirstLastPara="1" wrap="square" lIns="9125" tIns="9125" rIns="9125" bIns="9125" anchor="t" anchorCtr="0">
+            <a:spAutoFit/>
+          </a:bodyPr>
+          <a:lstStyle/>
+          <a:p>
+            <a:pPr marL="171450" marR="0" lvl="0" indent="-133350" algn="l" rtl="0">
+              <a:lnSpc>
+                <a:spcPct val="100000"/>
+              </a:lnSpc>
+              <a:spcBef>
+                <a:spcPts val="0"/>
+              </a:spcBef>
+              <a:spcAft>
+                <a:spcPts val="0"/>
+              </a:spcAft>
+              <a:buSzPts val="1200"/>
+              <a:buFont typeface="Calibri"/>
+              <a:buChar char="●"/>
+            </a:pPr>
+            <a:r>
+              <a:rPr lang="en" sz="1200" b="1">
+                <a:solidFill>
+                  <a:srgbClr val="FF0000"/>
+                </a:solidFill>
+                <a:latin typeface="Calibri"/>
+                <a:ea typeface="Calibri"/>
+                <a:cs typeface="Calibri"/>
+                <a:sym typeface="Calibri"/>
+              </a:rPr>
+              <a:t>FutureHouse - 4 agents: Crow, Falcon, Owl, Phoenix</a:t>
+            </a:r>
+            <a:endParaRPr sz="1200" b="1">
+              <a:solidFill>
+                <a:srgbClr val="FF0000"/>
+              </a:solidFill>
+              <a:latin typeface="Calibri"/>
+              <a:ea typeface="Calibri"/>
+              <a:cs typeface="Calibri"/>
+              <a:sym typeface="Calibri"/>
+            </a:endParaRPr>
+          </a:p>
+          <a:p>
+            <a:pPr marL="171450" marR="0" lvl="0" indent="-133350" algn="l" rtl="0">
+              <a:lnSpc>
+                <a:spcPct val="100000"/>
+              </a:lnSpc>
+              <a:spcBef>
+                <a:spcPts val="0"/>
+              </a:spcBef>
+              <a:spcAft>
+                <a:spcPts val="0"/>
+              </a:spcAft>
+              <a:buClr>
+                <a:schemeClr val="dk1"/>
+              </a:buClr>
+              <a:buSzPts val="1200"/>
+              <a:buFont typeface="Calibri"/>
+              <a:buChar char="●"/>
+            </a:pPr>
+            <a:r>
+              <a:rPr lang="en" sz="1200">
+                <a:solidFill>
+                  <a:schemeClr val="dk1"/>
+                </a:solidFill>
+                <a:latin typeface="Calibri"/>
+                <a:ea typeface="Calibri"/>
+                <a:cs typeface="Calibri"/>
+                <a:sym typeface="Calibri"/>
+              </a:rPr>
+              <a:t>Open, Free</a:t>
+            </a:r>
+            <a:endParaRPr sz="1200">
+              <a:solidFill>
+                <a:schemeClr val="dk1"/>
+              </a:solidFill>
+              <a:latin typeface="Calibri"/>
+              <a:ea typeface="Calibri"/>
+              <a:cs typeface="Calibri"/>
+              <a:sym typeface="Calibri"/>
+            </a:endParaRPr>
+          </a:p>
+          <a:p>
+            <a:pPr marL="171450" marR="0" lvl="0" indent="-133350" algn="l" rtl="0">
+              <a:lnSpc>
+                <a:spcPct val="100000"/>
+              </a:lnSpc>
+              <a:spcBef>
+                <a:spcPts val="0"/>
+              </a:spcBef>
+              <a:spcAft>
+                <a:spcPts val="0"/>
+              </a:spcAft>
+              <a:buClr>
+                <a:schemeClr val="dk1"/>
+              </a:buClr>
+              <a:buSzPts val="1200"/>
+              <a:buFont typeface="Calibri"/>
+              <a:buChar char="●"/>
+            </a:pPr>
+            <a:r>
+              <a:rPr lang="en" sz="1200">
+                <a:solidFill>
+                  <a:schemeClr val="dk1"/>
+                </a:solidFill>
+                <a:latin typeface="Calibri"/>
+                <a:ea typeface="Calibri"/>
+                <a:cs typeface="Calibri"/>
+                <a:sym typeface="Calibri"/>
+              </a:rPr>
+              <a:t>Backed by Google’s former CEO Eric Schmidt</a:t>
+            </a:r>
+            <a:endParaRPr sz="1200">
+              <a:solidFill>
+                <a:schemeClr val="dk1"/>
+              </a:solidFill>
+              <a:latin typeface="Calibri"/>
+              <a:ea typeface="Calibri"/>
+              <a:cs typeface="Calibri"/>
+              <a:sym typeface="Calibri"/>
+            </a:endParaRPr>
+          </a:p>
+          <a:p>
+            <a:pPr marL="171450" marR="0" lvl="0" indent="-133350" algn="l" rtl="0">
+              <a:lnSpc>
+                <a:spcPct val="100000"/>
+              </a:lnSpc>
+              <a:spcBef>
+                <a:spcPts val="0"/>
+              </a:spcBef>
+              <a:spcAft>
+                <a:spcPts val="0"/>
+              </a:spcAft>
+              <a:buClr>
+                <a:schemeClr val="dk1"/>
+              </a:buClr>
+              <a:buSzPts val="1200"/>
+              <a:buFont typeface="Calibri"/>
+              <a:buChar char="●"/>
+            </a:pPr>
+            <a:r>
+              <a:rPr lang="en" sz="1200">
+                <a:solidFill>
+                  <a:schemeClr val="dk1"/>
+                </a:solidFill>
+                <a:latin typeface="Calibri"/>
+                <a:ea typeface="Calibri"/>
+                <a:cs typeface="Calibri"/>
+                <a:sym typeface="Calibri"/>
+              </a:rPr>
+              <a:t>agents are built specifically for scientific research</a:t>
+            </a:r>
+            <a:endParaRPr sz="1200">
+              <a:solidFill>
+                <a:schemeClr val="dk1"/>
+              </a:solidFill>
+              <a:latin typeface="Calibri"/>
+              <a:ea typeface="Calibri"/>
+              <a:cs typeface="Calibri"/>
+              <a:sym typeface="Calibri"/>
+            </a:endParaRPr>
+          </a:p>
+          <a:p>
+            <a:pPr marL="171450" marR="0" lvl="0" indent="-133350" algn="l" rtl="0">
+              <a:lnSpc>
+                <a:spcPct val="100000"/>
+              </a:lnSpc>
+              <a:spcBef>
+                <a:spcPts val="0"/>
+              </a:spcBef>
+              <a:spcAft>
+                <a:spcPts val="0"/>
+              </a:spcAft>
+              <a:buClr>
+                <a:schemeClr val="dk1"/>
+              </a:buClr>
+              <a:buSzPts val="1200"/>
+              <a:buFont typeface="Calibri"/>
+              <a:buChar char="●"/>
+            </a:pPr>
+            <a:r>
+              <a:rPr lang="en" sz="1200">
+                <a:solidFill>
+                  <a:schemeClr val="dk1"/>
+                </a:solidFill>
+                <a:latin typeface="Calibri"/>
+                <a:ea typeface="Calibri"/>
+                <a:cs typeface="Calibri"/>
+                <a:sym typeface="Calibri"/>
+              </a:rPr>
+              <a:t>Analyze millions of research papers, design new drug compounds, identify research gaps, and dramatically speed up discovery processes</a:t>
+            </a:r>
+            <a:endParaRPr sz="1200">
+              <a:solidFill>
+                <a:schemeClr val="dk1"/>
+              </a:solidFill>
+              <a:latin typeface="Calibri"/>
+              <a:ea typeface="Calibri"/>
+              <a:cs typeface="Calibri"/>
+              <a:sym typeface="Calibri"/>
+            </a:endParaRPr>
+          </a:p>
+          <a:p>
+            <a:pPr marL="171450" marR="0" lvl="0" indent="-133350" algn="l" rtl="0">
+              <a:lnSpc>
+                <a:spcPct val="100000"/>
+              </a:lnSpc>
+              <a:spcBef>
+                <a:spcPts val="0"/>
+              </a:spcBef>
+              <a:spcAft>
+                <a:spcPts val="0"/>
+              </a:spcAft>
+              <a:buClr>
+                <a:schemeClr val="dk1"/>
+              </a:buClr>
+              <a:buSzPts val="1200"/>
+              <a:buFont typeface="Calibri"/>
+              <a:buChar char="●"/>
+            </a:pPr>
+            <a:r>
+              <a:rPr lang="en" sz="1200">
+                <a:solidFill>
+                  <a:schemeClr val="dk1"/>
+                </a:solidFill>
+                <a:latin typeface="Calibri"/>
+                <a:ea typeface="Calibri"/>
+                <a:cs typeface="Calibri"/>
+                <a:sym typeface="Calibri"/>
+              </a:rPr>
+              <a:t>Transparent reasoning, real-time data integration, and lab testing support</a:t>
+            </a:r>
+            <a:endParaRPr sz="1200">
+              <a:solidFill>
+                <a:schemeClr val="dk1"/>
+              </a:solidFill>
+              <a:latin typeface="Calibri"/>
+              <a:ea typeface="Calibri"/>
+              <a:cs typeface="Calibri"/>
+              <a:sym typeface="Calibri"/>
+            </a:endParaRPr>
+          </a:p>
+          <a:p>
+            <a:pPr marL="171450" marR="0" lvl="0" indent="-133350" algn="l" rtl="0">
+              <a:lnSpc>
+                <a:spcPct val="100000"/>
+              </a:lnSpc>
+              <a:spcBef>
+                <a:spcPts val="0"/>
+              </a:spcBef>
+              <a:spcAft>
+                <a:spcPts val="0"/>
+              </a:spcAft>
+              <a:buSzPts val="1200"/>
+              <a:buFont typeface="Calibri"/>
+              <a:buChar char="●"/>
+            </a:pPr>
+            <a:r>
+              <a:rPr lang="en" sz="1200" u="sng">
+                <a:solidFill>
+                  <a:schemeClr val="hlink"/>
+                </a:solidFill>
+                <a:latin typeface="Calibri"/>
+                <a:ea typeface="Calibri"/>
+                <a:cs typeface="Calibri"/>
+                <a:sym typeface="Calibri"/>
+                <a:hlinkClick r:id="rId3"/>
+              </a:rPr>
+              <a:t>https://www.youtube.com/watch?v=4clyIcphEvU</a:t>
+            </a:r>
+            <a:r>
+              <a:rPr lang="en" sz="1200">
+                <a:latin typeface="Calibri"/>
+                <a:ea typeface="Calibri"/>
+                <a:cs typeface="Calibri"/>
+                <a:sym typeface="Calibri"/>
+              </a:rPr>
+              <a:t> </a:t>
+            </a:r>
+            <a:endParaRPr sz="1200">
+              <a:latin typeface="Calibri"/>
+              <a:ea typeface="Calibri"/>
+              <a:cs typeface="Calibri"/>
+              <a:sym typeface="Calibri"/>
+            </a:endParaRPr>
+          </a:p>
+        </p:txBody>
+      </p:sp>
+      <p:pic>
+        <p:nvPicPr>
+          <p:cNvPr id="150" name="Google Shape;150;p24"/>
+          <p:cNvPicPr preferRelativeResize="0"/>
+          <p:nvPr/>
+        </p:nvPicPr>
+        <p:blipFill>
+          <a:blip r:embed="rId4" cstate="email">
+            <a:alphaModFix/>
+            <a:extLst>
+              <a:ext uri="{28A0092B-C50C-407E-A947-70E740481C1C}">
+                <a14:useLocalDpi xmlns:a14="http://schemas.microsoft.com/office/drawing/2010/main"/>
+              </a:ext>
+            </a:extLst>
+          </a:blip>
+          <a:stretch>
+            <a:fillRect/>
+          </a:stretch>
+        </p:blipFill>
+        <p:spPr>
+          <a:xfrm>
+            <a:off x="4767638" y="184688"/>
+            <a:ext cx="1642825" cy="1506676"/>
+          </a:xfrm>
+          <a:prstGeom prst="rect">
+            <a:avLst/>
+          </a:prstGeom>
+          <a:noFill/>
+          <a:ln w="9525" cap="flat" cmpd="sng">
+            <a:solidFill>
+              <a:srgbClr val="FF0000"/>
+            </a:solidFill>
+            <a:prstDash val="solid"/>
+            <a:round/>
+            <a:headEnd type="none" w="sm" len="sm"/>
+            <a:tailEnd type="none" w="sm" len="sm"/>
+          </a:ln>
+        </p:spPr>
+      </p:pic>
+      <p:pic>
+        <p:nvPicPr>
+          <p:cNvPr id="151" name="Google Shape;151;p24"/>
+          <p:cNvPicPr preferRelativeResize="0"/>
+          <p:nvPr/>
+        </p:nvPicPr>
+        <p:blipFill>
+          <a:blip r:embed="rId5" cstate="email">
+            <a:alphaModFix/>
+            <a:extLst>
+              <a:ext uri="{28A0092B-C50C-407E-A947-70E740481C1C}">
+                <a14:useLocalDpi xmlns:a14="http://schemas.microsoft.com/office/drawing/2010/main"/>
+              </a:ext>
+            </a:extLst>
+          </a:blip>
+          <a:stretch>
+            <a:fillRect/>
+          </a:stretch>
+        </p:blipFill>
+        <p:spPr>
+          <a:xfrm>
+            <a:off x="6572725" y="592963"/>
+            <a:ext cx="1775025" cy="513150"/>
+          </a:xfrm>
+          <a:prstGeom prst="rect">
+            <a:avLst/>
+          </a:prstGeom>
+          <a:noFill/>
+          <a:ln w="9525" cap="flat" cmpd="sng">
+            <a:solidFill>
+              <a:srgbClr val="FF0000"/>
+            </a:solidFill>
+            <a:prstDash val="solid"/>
+            <a:round/>
+            <a:headEnd type="none" w="sm" len="sm"/>
+            <a:tailEnd type="none" w="sm" len="sm"/>
+          </a:ln>
+        </p:spPr>
+      </p:pic>
+      <p:sp>
+        <p:nvSpPr>
+          <p:cNvPr id="152" name="Google Shape;152;p24"/>
+          <p:cNvSpPr txBox="1"/>
+          <p:nvPr/>
+        </p:nvSpPr>
+        <p:spPr>
+          <a:xfrm>
+            <a:off x="55075" y="2515075"/>
+            <a:ext cx="4452000" cy="942000"/>
+          </a:xfrm>
+          <a:prstGeom prst="rect">
+            <a:avLst/>
+          </a:prstGeom>
+          <a:solidFill>
+            <a:srgbClr val="FFF2CC"/>
+          </a:solidFill>
+          <a:ln w="9525" cap="flat" cmpd="sng">
+            <a:solidFill>
+              <a:srgbClr val="FF0000"/>
+            </a:solidFill>
+            <a:prstDash val="solid"/>
+            <a:round/>
+            <a:headEnd type="none" w="sm" len="sm"/>
+            <a:tailEnd type="none" w="sm" len="sm"/>
+          </a:ln>
+        </p:spPr>
+        <p:txBody>
+          <a:bodyPr spcFirstLastPara="1" wrap="square" lIns="9125" tIns="9125" rIns="9125" bIns="9125" anchor="t" anchorCtr="0">
+            <a:spAutoFit/>
+          </a:bodyPr>
+          <a:lstStyle/>
+          <a:p>
+            <a:pPr marL="171450" marR="0" lvl="0" indent="-133350" algn="l" rtl="0">
+              <a:lnSpc>
+                <a:spcPct val="100000"/>
+              </a:lnSpc>
+              <a:spcBef>
+                <a:spcPts val="0"/>
+              </a:spcBef>
+              <a:spcAft>
+                <a:spcPts val="0"/>
+              </a:spcAft>
+              <a:buClr>
+                <a:schemeClr val="dk1"/>
+              </a:buClr>
+              <a:buSzPts val="1200"/>
+              <a:buFont typeface="Calibri"/>
+              <a:buChar char="●"/>
+            </a:pPr>
+            <a:r>
+              <a:rPr lang="en" sz="1200" b="1">
+                <a:solidFill>
+                  <a:srgbClr val="FF0000"/>
+                </a:solidFill>
+                <a:latin typeface="Calibri"/>
+                <a:ea typeface="Calibri"/>
+                <a:cs typeface="Calibri"/>
+                <a:sym typeface="Calibri"/>
+              </a:rPr>
+              <a:t>Zed, Tabby, Void Editors - open source</a:t>
+            </a:r>
+            <a:endParaRPr sz="1200" b="1">
+              <a:solidFill>
+                <a:srgbClr val="FF0000"/>
+              </a:solidFill>
+              <a:latin typeface="Calibri"/>
+              <a:ea typeface="Calibri"/>
+              <a:cs typeface="Calibri"/>
+              <a:sym typeface="Calibri"/>
+            </a:endParaRPr>
+          </a:p>
+          <a:p>
+            <a:pPr marL="171450" marR="0" lvl="0" indent="-133350" algn="l" rtl="0">
+              <a:lnSpc>
+                <a:spcPct val="100000"/>
+              </a:lnSpc>
+              <a:spcBef>
+                <a:spcPts val="0"/>
+              </a:spcBef>
+              <a:spcAft>
+                <a:spcPts val="0"/>
+              </a:spcAft>
+              <a:buClr>
+                <a:schemeClr val="dk1"/>
+              </a:buClr>
+              <a:buSzPts val="1200"/>
+              <a:buFont typeface="Calibri"/>
+              <a:buChar char="●"/>
+            </a:pPr>
+            <a:r>
+              <a:rPr lang="en" sz="1200" u="sng">
+                <a:solidFill>
+                  <a:schemeClr val="hlink"/>
+                </a:solidFill>
+                <a:latin typeface="Calibri"/>
+                <a:ea typeface="Calibri"/>
+                <a:cs typeface="Calibri"/>
+                <a:sym typeface="Calibri"/>
+                <a:hlinkClick r:id="rId6"/>
+              </a:rPr>
+              <a:t>https://www.youtube.com/watch?v=d0rPK0dJn1A</a:t>
+            </a:r>
+            <a:r>
+              <a:rPr lang="en" sz="1200">
+                <a:solidFill>
+                  <a:schemeClr val="dk1"/>
+                </a:solidFill>
+                <a:latin typeface="Calibri"/>
+                <a:ea typeface="Calibri"/>
+                <a:cs typeface="Calibri"/>
+                <a:sym typeface="Calibri"/>
+              </a:rPr>
+              <a:t> - video demo</a:t>
+            </a:r>
+            <a:endParaRPr sz="1200">
+              <a:solidFill>
+                <a:schemeClr val="dk1"/>
+              </a:solidFill>
+              <a:latin typeface="Calibri"/>
+              <a:ea typeface="Calibri"/>
+              <a:cs typeface="Calibri"/>
+              <a:sym typeface="Calibri"/>
+            </a:endParaRPr>
+          </a:p>
+          <a:p>
+            <a:pPr marL="171450" marR="0" lvl="0" indent="-133350" algn="l" rtl="0">
+              <a:lnSpc>
+                <a:spcPct val="100000"/>
+              </a:lnSpc>
+              <a:spcBef>
+                <a:spcPts val="0"/>
+              </a:spcBef>
+              <a:spcAft>
+                <a:spcPts val="0"/>
+              </a:spcAft>
+              <a:buClr>
+                <a:schemeClr val="dk1"/>
+              </a:buClr>
+              <a:buSzPts val="1200"/>
+              <a:buFont typeface="Calibri"/>
+              <a:buChar char="●"/>
+            </a:pPr>
+            <a:r>
+              <a:rPr lang="en" sz="1200" u="sng">
+                <a:solidFill>
+                  <a:schemeClr val="hlink"/>
+                </a:solidFill>
+                <a:latin typeface="Calibri"/>
+                <a:ea typeface="Calibri"/>
+                <a:cs typeface="Calibri"/>
+                <a:sym typeface="Calibri"/>
+                <a:hlinkClick r:id="rId7"/>
+              </a:rPr>
+              <a:t>https://zed.dev/ai</a:t>
+            </a:r>
+            <a:r>
+              <a:rPr lang="en" sz="1200">
+                <a:solidFill>
+                  <a:schemeClr val="dk1"/>
+                </a:solidFill>
+                <a:latin typeface="Calibri"/>
+                <a:ea typeface="Calibri"/>
+                <a:cs typeface="Calibri"/>
+                <a:sym typeface="Calibri"/>
+              </a:rPr>
+              <a:t> - Zed</a:t>
+            </a:r>
+            <a:endParaRPr sz="1200">
+              <a:solidFill>
+                <a:schemeClr val="dk1"/>
+              </a:solidFill>
+              <a:latin typeface="Calibri"/>
+              <a:ea typeface="Calibri"/>
+              <a:cs typeface="Calibri"/>
+              <a:sym typeface="Calibri"/>
+            </a:endParaRPr>
+          </a:p>
+          <a:p>
+            <a:pPr marL="171450" marR="0" lvl="0" indent="-133350" algn="l" rtl="0">
+              <a:lnSpc>
+                <a:spcPct val="100000"/>
+              </a:lnSpc>
+              <a:spcBef>
+                <a:spcPts val="0"/>
+              </a:spcBef>
+              <a:spcAft>
+                <a:spcPts val="0"/>
+              </a:spcAft>
+              <a:buClr>
+                <a:schemeClr val="dk1"/>
+              </a:buClr>
+              <a:buSzPts val="1200"/>
+              <a:buFont typeface="Calibri"/>
+              <a:buChar char="●"/>
+            </a:pPr>
+            <a:r>
+              <a:rPr lang="en" sz="1200" u="sng">
+                <a:solidFill>
+                  <a:schemeClr val="hlink"/>
+                </a:solidFill>
+                <a:latin typeface="Calibri"/>
+                <a:ea typeface="Calibri"/>
+                <a:cs typeface="Calibri"/>
+                <a:sym typeface="Calibri"/>
+                <a:hlinkClick r:id="rId8"/>
+              </a:rPr>
+              <a:t>https://www.tabbyml.com</a:t>
+            </a:r>
+            <a:r>
+              <a:rPr lang="en" sz="1200">
+                <a:solidFill>
+                  <a:schemeClr val="dk1"/>
+                </a:solidFill>
+                <a:latin typeface="Calibri"/>
+                <a:ea typeface="Calibri"/>
+                <a:cs typeface="Calibri"/>
+                <a:sym typeface="Calibri"/>
+              </a:rPr>
+              <a:t> - Tabby</a:t>
+            </a:r>
+            <a:endParaRPr sz="1200">
+              <a:solidFill>
+                <a:schemeClr val="dk1"/>
+              </a:solidFill>
+              <a:latin typeface="Calibri"/>
+              <a:ea typeface="Calibri"/>
+              <a:cs typeface="Calibri"/>
+              <a:sym typeface="Calibri"/>
+            </a:endParaRPr>
+          </a:p>
+          <a:p>
+            <a:pPr marL="171450" marR="0" lvl="0" indent="-133350" algn="l" rtl="0">
+              <a:lnSpc>
+                <a:spcPct val="100000"/>
+              </a:lnSpc>
+              <a:spcBef>
+                <a:spcPts val="0"/>
+              </a:spcBef>
+              <a:spcAft>
+                <a:spcPts val="0"/>
+              </a:spcAft>
+              <a:buClr>
+                <a:schemeClr val="dk1"/>
+              </a:buClr>
+              <a:buSzPts val="1200"/>
+              <a:buFont typeface="Calibri"/>
+              <a:buChar char="●"/>
+            </a:pPr>
+            <a:r>
+              <a:rPr lang="en" sz="1200" u="sng">
+                <a:solidFill>
+                  <a:schemeClr val="hlink"/>
+                </a:solidFill>
+                <a:latin typeface="Calibri"/>
+                <a:ea typeface="Calibri"/>
+                <a:cs typeface="Calibri"/>
+                <a:sym typeface="Calibri"/>
+                <a:hlinkClick r:id="rId9"/>
+              </a:rPr>
+              <a:t>https://voideditor.com</a:t>
+            </a:r>
+            <a:r>
+              <a:rPr lang="en" sz="1200">
+                <a:solidFill>
+                  <a:schemeClr val="dk1"/>
+                </a:solidFill>
+                <a:latin typeface="Calibri"/>
+                <a:ea typeface="Calibri"/>
+                <a:cs typeface="Calibri"/>
+                <a:sym typeface="Calibri"/>
+              </a:rPr>
+              <a:t> - Void</a:t>
+            </a:r>
+            <a:endParaRPr sz="1200">
+              <a:solidFill>
+                <a:schemeClr val="dk1"/>
+              </a:solidFill>
+              <a:latin typeface="Calibri"/>
+              <a:ea typeface="Calibri"/>
+              <a:cs typeface="Calibri"/>
+              <a:sym typeface="Calibri"/>
+            </a:endParaRPr>
+          </a:p>
+        </p:txBody>
+      </p:sp>
+      <p:sp>
+        <p:nvSpPr>
+          <p:cNvPr id="153" name="Google Shape;153;p24"/>
+          <p:cNvSpPr txBox="1"/>
+          <p:nvPr/>
+        </p:nvSpPr>
+        <p:spPr>
+          <a:xfrm>
+            <a:off x="55075" y="3693250"/>
+            <a:ext cx="4452000" cy="942000"/>
+          </a:xfrm>
+          <a:prstGeom prst="rect">
+            <a:avLst/>
+          </a:prstGeom>
+          <a:solidFill>
+            <a:srgbClr val="FFF2CC"/>
+          </a:solidFill>
+          <a:ln w="9525" cap="flat" cmpd="sng">
+            <a:solidFill>
+              <a:srgbClr val="FF0000"/>
+            </a:solidFill>
+            <a:prstDash val="solid"/>
+            <a:round/>
+            <a:headEnd type="none" w="sm" len="sm"/>
+            <a:tailEnd type="none" w="sm" len="sm"/>
+          </a:ln>
+        </p:spPr>
+        <p:txBody>
+          <a:bodyPr spcFirstLastPara="1" wrap="square" lIns="9125" tIns="9125" rIns="9125" bIns="9125" anchor="t" anchorCtr="0">
+            <a:spAutoFit/>
+          </a:bodyPr>
+          <a:lstStyle/>
+          <a:p>
+            <a:pPr marL="171450" marR="0" lvl="0" indent="-133350" algn="l" rtl="0">
+              <a:lnSpc>
+                <a:spcPct val="100000"/>
+              </a:lnSpc>
+              <a:spcBef>
+                <a:spcPts val="0"/>
+              </a:spcBef>
+              <a:spcAft>
+                <a:spcPts val="0"/>
+              </a:spcAft>
+              <a:buClr>
+                <a:schemeClr val="dk1"/>
+              </a:buClr>
+              <a:buSzPts val="1200"/>
+              <a:buFont typeface="Calibri"/>
+              <a:buChar char="●"/>
+            </a:pPr>
+            <a:r>
+              <a:rPr lang="en" sz="1200" b="1">
+                <a:solidFill>
+                  <a:srgbClr val="FF0000"/>
+                </a:solidFill>
+                <a:latin typeface="Calibri"/>
+                <a:ea typeface="Calibri"/>
+                <a:cs typeface="Calibri"/>
+                <a:sym typeface="Calibri"/>
+              </a:rPr>
+              <a:t>Microsoft AI Agent helps change Windows Settings</a:t>
+            </a:r>
+            <a:endParaRPr sz="1200" b="1">
+              <a:solidFill>
+                <a:srgbClr val="FF0000"/>
+              </a:solidFill>
+              <a:latin typeface="Calibri"/>
+              <a:ea typeface="Calibri"/>
+              <a:cs typeface="Calibri"/>
+              <a:sym typeface="Calibri"/>
+            </a:endParaRPr>
+          </a:p>
+          <a:p>
+            <a:pPr marL="171450" marR="0" lvl="0" indent="-133350" algn="l" rtl="0">
+              <a:lnSpc>
+                <a:spcPct val="100000"/>
+              </a:lnSpc>
+              <a:spcBef>
+                <a:spcPts val="0"/>
+              </a:spcBef>
+              <a:spcAft>
+                <a:spcPts val="0"/>
+              </a:spcAft>
+              <a:buClr>
+                <a:schemeClr val="dk1"/>
+              </a:buClr>
+              <a:buSzPts val="1200"/>
+              <a:buFont typeface="Calibri"/>
+              <a:buChar char="●"/>
+            </a:pPr>
+            <a:r>
+              <a:rPr lang="en" sz="1200">
+                <a:solidFill>
+                  <a:schemeClr val="dk1"/>
+                </a:solidFill>
+                <a:latin typeface="Calibri"/>
+                <a:ea typeface="Calibri"/>
+                <a:cs typeface="Calibri"/>
+                <a:sym typeface="Calibri"/>
+              </a:rPr>
+              <a:t>Copilot+ PCs includes AI agents that can help you to find and change settings. All done with natural language prompting</a:t>
+            </a:r>
+            <a:endParaRPr sz="1200">
+              <a:solidFill>
+                <a:schemeClr val="dk1"/>
+              </a:solidFill>
+              <a:latin typeface="Calibri"/>
+              <a:ea typeface="Calibri"/>
+              <a:cs typeface="Calibri"/>
+              <a:sym typeface="Calibri"/>
+            </a:endParaRPr>
+          </a:p>
+          <a:p>
+            <a:pPr marL="171450" marR="0" lvl="0" indent="-133350" algn="l" rtl="0">
+              <a:lnSpc>
+                <a:spcPct val="100000"/>
+              </a:lnSpc>
+              <a:spcBef>
+                <a:spcPts val="0"/>
+              </a:spcBef>
+              <a:spcAft>
+                <a:spcPts val="0"/>
+              </a:spcAft>
+              <a:buClr>
+                <a:schemeClr val="dk1"/>
+              </a:buClr>
+              <a:buSzPts val="1200"/>
+              <a:buFont typeface="Calibri"/>
+              <a:buChar char="●"/>
+            </a:pPr>
+            <a:r>
+              <a:rPr lang="en" sz="1200" u="sng">
+                <a:solidFill>
+                  <a:schemeClr val="hlink"/>
+                </a:solidFill>
+                <a:latin typeface="Calibri"/>
+                <a:ea typeface="Calibri"/>
+                <a:cs typeface="Calibri"/>
+                <a:sym typeface="Calibri"/>
+                <a:hlinkClick r:id="rId10"/>
+              </a:rPr>
+              <a:t>https://www.bleepingcomputer.com/news/microsoft/microsoft-unveils-new-ai-agents-that-can-modify-windows-settings/</a:t>
+            </a:r>
+            <a:r>
+              <a:rPr lang="en" sz="1200" u="sng">
+                <a:solidFill>
+                  <a:schemeClr val="hlink"/>
+                </a:solidFill>
+                <a:latin typeface="Calibri"/>
+                <a:ea typeface="Calibri"/>
+                <a:cs typeface="Calibri"/>
+                <a:sym typeface="Calibri"/>
+              </a:rPr>
+              <a:t> </a:t>
+            </a:r>
+            <a:endParaRPr sz="1200">
+              <a:solidFill>
+                <a:schemeClr val="dk1"/>
+              </a:solidFill>
+              <a:latin typeface="Calibri"/>
+              <a:ea typeface="Calibri"/>
+              <a:cs typeface="Calibri"/>
+              <a:sym typeface="Calibri"/>
+            </a:endParaRPr>
+          </a:p>
+        </p:txBody>
+      </p:sp>
+      <p:pic>
+        <p:nvPicPr>
+          <p:cNvPr id="154" name="Google Shape;154;p24"/>
+          <p:cNvPicPr preferRelativeResize="0"/>
+          <p:nvPr/>
+        </p:nvPicPr>
+        <p:blipFill>
+          <a:blip r:embed="rId11" cstate="email">
+            <a:alphaModFix/>
+            <a:extLst>
+              <a:ext uri="{28A0092B-C50C-407E-A947-70E740481C1C}">
+                <a14:useLocalDpi xmlns:a14="http://schemas.microsoft.com/office/drawing/2010/main"/>
+              </a:ext>
+            </a:extLst>
+          </a:blip>
+          <a:stretch>
+            <a:fillRect/>
+          </a:stretch>
+        </p:blipFill>
+        <p:spPr>
+          <a:xfrm>
+            <a:off x="5086150" y="3693250"/>
+            <a:ext cx="2449204" cy="942000"/>
+          </a:xfrm>
+          <a:prstGeom prst="rect">
+            <a:avLst/>
+          </a:prstGeom>
+          <a:noFill/>
+          <a:ln w="9525" cap="flat" cmpd="sng">
+            <a:solidFill>
+              <a:srgbClr val="FF0000"/>
+            </a:solidFill>
+            <a:prstDash val="solid"/>
+            <a:round/>
+            <a:headEnd type="none" w="sm" len="sm"/>
+            <a:tailEnd type="none" w="sm" len="sm"/>
+          </a:ln>
+        </p:spPr>
+      </p:pic>
+      <p:pic>
+        <p:nvPicPr>
+          <p:cNvPr id="155" name="Google Shape;155;p24"/>
+          <p:cNvPicPr preferRelativeResize="0"/>
+          <p:nvPr/>
+        </p:nvPicPr>
+        <p:blipFill>
+          <a:blip r:embed="rId12" cstate="email">
+            <a:alphaModFix/>
+            <a:extLst>
+              <a:ext uri="{28A0092B-C50C-407E-A947-70E740481C1C}">
+                <a14:useLocalDpi xmlns:a14="http://schemas.microsoft.com/office/drawing/2010/main"/>
+              </a:ext>
+            </a:extLst>
+          </a:blip>
+          <a:stretch>
+            <a:fillRect/>
+          </a:stretch>
+        </p:blipFill>
+        <p:spPr>
+          <a:xfrm>
+            <a:off x="4999525" y="2515075"/>
+            <a:ext cx="788951" cy="788951"/>
+          </a:xfrm>
+          <a:prstGeom prst="rect">
+            <a:avLst/>
+          </a:prstGeom>
+          <a:noFill/>
+          <a:ln w="9525" cap="flat" cmpd="sng">
+            <a:solidFill>
+              <a:srgbClr val="FF0000"/>
+            </a:solidFill>
+            <a:prstDash val="solid"/>
+            <a:round/>
+            <a:headEnd type="none" w="sm" len="sm"/>
+            <a:tailEnd type="none" w="sm" len="sm"/>
+          </a:ln>
+        </p:spPr>
+      </p:pic>
+      <p:pic>
+        <p:nvPicPr>
+          <p:cNvPr id="156" name="Google Shape;156;p24"/>
+          <p:cNvPicPr preferRelativeResize="0"/>
+          <p:nvPr/>
+        </p:nvPicPr>
+        <p:blipFill>
+          <a:blip r:embed="rId13" cstate="email">
+            <a:alphaModFix/>
+            <a:extLst>
+              <a:ext uri="{28A0092B-C50C-407E-A947-70E740481C1C}">
+                <a14:useLocalDpi xmlns:a14="http://schemas.microsoft.com/office/drawing/2010/main"/>
+              </a:ext>
+            </a:extLst>
+          </a:blip>
+          <a:stretch>
+            <a:fillRect/>
+          </a:stretch>
+        </p:blipFill>
+        <p:spPr>
+          <a:xfrm>
+            <a:off x="6152300" y="2672866"/>
+            <a:ext cx="1476925" cy="473375"/>
+          </a:xfrm>
+          <a:prstGeom prst="rect">
+            <a:avLst/>
+          </a:prstGeom>
+          <a:noFill/>
+          <a:ln w="9525" cap="flat" cmpd="sng">
+            <a:solidFill>
+              <a:srgbClr val="FF0000"/>
+            </a:solidFill>
+            <a:prstDash val="solid"/>
+            <a:round/>
+            <a:headEnd type="none" w="sm" len="sm"/>
+            <a:tailEnd type="none" w="sm" len="sm"/>
+          </a:ln>
+        </p:spPr>
+      </p:pic>
+      <p:pic>
+        <p:nvPicPr>
+          <p:cNvPr id="157" name="Google Shape;157;p24"/>
+          <p:cNvPicPr preferRelativeResize="0"/>
+          <p:nvPr/>
+        </p:nvPicPr>
+        <p:blipFill>
+          <a:blip r:embed="rId14" cstate="email">
+            <a:alphaModFix/>
+            <a:extLst>
+              <a:ext uri="{28A0092B-C50C-407E-A947-70E740481C1C}">
+                <a14:useLocalDpi xmlns:a14="http://schemas.microsoft.com/office/drawing/2010/main"/>
+              </a:ext>
+            </a:extLst>
+          </a:blip>
+          <a:stretch>
+            <a:fillRect/>
+          </a:stretch>
+        </p:blipFill>
+        <p:spPr>
+          <a:xfrm>
+            <a:off x="7993049" y="2608563"/>
+            <a:ext cx="541150" cy="601975"/>
+          </a:xfrm>
+          <a:prstGeom prst="rect">
+            <a:avLst/>
+          </a:prstGeom>
+          <a:noFill/>
+          <a:ln w="9525" cap="flat" cmpd="sng">
+            <a:solidFill>
+              <a:srgbClr val="FF0000"/>
+            </a:solidFill>
+            <a:prstDash val="solid"/>
+            <a:round/>
+            <a:headEnd type="none" w="sm" len="sm"/>
+            <a:tailEnd type="none" w="sm" len="sm"/>
+          </a:ln>
+        </p:spPr>
+      </p:pic>
+    </p:spTree>
+  </p:cSld>
+  <p:clrMapOvr>
+    <a:masterClrMapping/>
+  </p:clrMapOvr>
+</p:sld>
+</file>
+
+<file path=ppt/slides/slide11.xml><?xml version="1.0" encoding="utf-8"?>
+<p:sld xmlns:a="http://schemas.openxmlformats.org/drawingml/2006/main" xmlns:r="http://schemas.openxmlformats.org/officeDocument/2006/relationships" xmlns:p="http://schemas.openxmlformats.org/presentationml/2006/main">
+  <p:cSld>
+    <p:spTree>
+      <p:nvGrpSpPr>
+        <p:cNvPr id="1" name="Shape 161"/>
+        <p:cNvGrpSpPr/>
+        <p:nvPr/>
+      </p:nvGrpSpPr>
+      <p:grpSpPr>
+        <a:xfrm>
+          <a:off x="0" y="0"/>
+          <a:ext cx="0" cy="0"/>
+          <a:chOff x="0" y="0"/>
+          <a:chExt cx="0" cy="0"/>
+        </a:xfrm>
+      </p:grpSpPr>
+      <p:sp>
+        <p:nvSpPr>
+          <p:cNvPr id="162" name="Google Shape;162;p25"/>
+          <p:cNvSpPr txBox="1"/>
+          <p:nvPr/>
+        </p:nvSpPr>
+        <p:spPr>
+          <a:xfrm>
+            <a:off x="55075" y="52750"/>
+            <a:ext cx="2469300" cy="326400"/>
+          </a:xfrm>
+          <a:prstGeom prst="rect">
+            <a:avLst/>
+          </a:prstGeom>
+          <a:noFill/>
+          <a:ln>
+            <a:noFill/>
+          </a:ln>
+        </p:spPr>
+        <p:txBody>
+          <a:bodyPr spcFirstLastPara="1" wrap="square" lIns="9125" tIns="9125" rIns="9125" bIns="9125" anchor="t" anchorCtr="0">
+            <a:spAutoFit/>
+          </a:bodyPr>
+          <a:lstStyle/>
+          <a:p>
+            <a:pPr marL="0" marR="0" lvl="0" indent="0" algn="l" rtl="0">
+              <a:lnSpc>
+                <a:spcPct val="100000"/>
+              </a:lnSpc>
+              <a:spcBef>
+                <a:spcPts val="0"/>
+              </a:spcBef>
+              <a:spcAft>
+                <a:spcPts val="0"/>
+              </a:spcAft>
+              <a:buClr>
+                <a:schemeClr val="dk1"/>
+              </a:buClr>
+              <a:buSzPts val="1100"/>
+              <a:buFont typeface="Arial"/>
+              <a:buNone/>
+            </a:pPr>
+            <a:r>
+              <a:rPr lang="en" sz="2000" b="1">
+                <a:solidFill>
+                  <a:schemeClr val="dk1"/>
+                </a:solidFill>
+                <a:latin typeface="Calibri"/>
+                <a:ea typeface="Calibri"/>
+                <a:cs typeface="Calibri"/>
+                <a:sym typeface="Calibri"/>
+              </a:rPr>
+              <a:t>AI Updates - 4</a:t>
+            </a:r>
+            <a:endParaRPr sz="2000" b="1" i="0" u="none" strike="noStrike" cap="none">
+              <a:solidFill>
+                <a:schemeClr val="dk1"/>
+              </a:solidFill>
+              <a:latin typeface="Calibri"/>
+              <a:ea typeface="Calibri"/>
+              <a:cs typeface="Calibri"/>
+              <a:sym typeface="Calibri"/>
+            </a:endParaRPr>
+          </a:p>
+        </p:txBody>
+      </p:sp>
+      <p:sp>
+        <p:nvSpPr>
+          <p:cNvPr id="163" name="Google Shape;163;p25"/>
           <p:cNvSpPr txBox="1"/>
           <p:nvPr/>
         </p:nvSpPr>
@@ -14151,7 +15367,7 @@
       </p:sp>
       <p:pic>
         <p:nvPicPr>
-          <p:cNvPr id="146" name="Google Shape;146;p24"/>
+          <p:cNvPr id="164" name="Google Shape;164;p25"/>
           <p:cNvPicPr preferRelativeResize="0"/>
           <p:nvPr/>
         </p:nvPicPr>
@@ -14170,7 +15386,7 @@
         </p:blipFill>
         <p:spPr>
           <a:xfrm>
-            <a:off x="4748300" y="413500"/>
+            <a:off x="5886450" y="485375"/>
             <a:ext cx="990888" cy="1449900"/>
           </a:xfrm>
           <a:prstGeom prst="rect">
@@ -14184,7 +15400,7 @@
       </p:pic>
       <p:sp>
         <p:nvSpPr>
-          <p:cNvPr id="147" name="Google Shape;147;p24"/>
+          <p:cNvPr id="165" name="Google Shape;165;p25"/>
           <p:cNvSpPr txBox="1"/>
           <p:nvPr/>
         </p:nvSpPr>
@@ -14404,7 +15620,7 @@
       </p:sp>
       <p:sp>
         <p:nvSpPr>
-          <p:cNvPr id="148" name="Google Shape;148;p24"/>
+          <p:cNvPr id="166" name="Google Shape;166;p25"/>
           <p:cNvSpPr txBox="1"/>
           <p:nvPr/>
         </p:nvSpPr>
@@ -14782,6 +15998,84 @@
           </a:p>
         </p:txBody>
       </p:sp>
+      <p:pic>
+        <p:nvPicPr>
+          <p:cNvPr id="167" name="Google Shape;167;p25"/>
+          <p:cNvPicPr preferRelativeResize="0"/>
+          <p:nvPr/>
+        </p:nvPicPr>
+        <p:blipFill>
+          <a:blip r:embed="rId9" cstate="email">
+            <a:alphaModFix/>
+            <a:extLst>
+              <a:ext uri="{28A0092B-C50C-407E-A947-70E740481C1C}">
+                <a14:useLocalDpi xmlns:a14="http://schemas.microsoft.com/office/drawing/2010/main"/>
+              </a:ext>
+            </a:extLst>
+          </a:blip>
+          <a:stretch>
+            <a:fillRect/>
+          </a:stretch>
+        </p:blipFill>
+        <p:spPr>
+          <a:xfrm>
+            <a:off x="5249850" y="2015800"/>
+            <a:ext cx="2264100" cy="1222625"/>
+          </a:xfrm>
+          <a:prstGeom prst="rect">
+            <a:avLst/>
+          </a:prstGeom>
+          <a:noFill/>
+          <a:ln w="9525" cap="flat" cmpd="sng">
+            <a:solidFill>
+              <a:srgbClr val="FF0000"/>
+            </a:solidFill>
+            <a:prstDash val="solid"/>
+            <a:round/>
+            <a:headEnd type="none" w="sm" len="sm"/>
+            <a:tailEnd type="none" w="sm" len="sm"/>
+          </a:ln>
+        </p:spPr>
+      </p:pic>
+      <p:pic>
+        <p:nvPicPr>
+          <p:cNvPr id="168" name="Google Shape;168;p25"/>
+          <p:cNvPicPr preferRelativeResize="0"/>
+          <p:nvPr/>
+        </p:nvPicPr>
+        <p:blipFill>
+          <a:blip r:embed="rId10" cstate="email">
+            <a:alphaModFix/>
+            <a:extLst>
+              <a:ext uri="{28A0092B-C50C-407E-A947-70E740481C1C}">
+                <a14:useLocalDpi xmlns:a14="http://schemas.microsoft.com/office/drawing/2010/main"/>
+              </a:ext>
+            </a:extLst>
+          </a:blip>
+          <a:stretch>
+            <a:fillRect/>
+          </a:stretch>
+        </p:blipFill>
+        <p:spPr>
+          <a:xfrm>
+            <a:off x="5483170" y="3388975"/>
+            <a:ext cx="1797450" cy="1012250"/>
+          </a:xfrm>
+          <a:prstGeom prst="rect">
+            <a:avLst/>
+          </a:prstGeom>
+          <a:noFill/>
+          <a:ln w="9525" cap="flat" cmpd="sng">
+            <a:solidFill>
+              <a:srgbClr val="FF0000"/>
+            </a:solidFill>
+            <a:prstDash val="solid"/>
+            <a:round/>
+            <a:headEnd type="none" w="sm" len="sm"/>
+            <a:tailEnd type="none" w="sm" len="sm"/>
+          </a:ln>
+        </p:spPr>
+      </p:pic>
     </p:spTree>
   </p:cSld>
   <p:clrMapOvr>
@@ -14790,12 +16084,12 @@
 </p:sld>
 </file>
 
-<file path=ppt/slides/slide11.xml><?xml version="1.0" encoding="utf-8"?>
+<file path=ppt/slides/slide12.xml><?xml version="1.0" encoding="utf-8"?>
 <p:sld xmlns:a="http://schemas.openxmlformats.org/drawingml/2006/main" xmlns:r="http://schemas.openxmlformats.org/officeDocument/2006/relationships" xmlns:p="http://schemas.openxmlformats.org/presentationml/2006/main">
   <p:cSld>
     <p:spTree>
       <p:nvGrpSpPr>
-        <p:cNvPr id="1" name="Shape 152"/>
+        <p:cNvPr id="1" name="Shape 172"/>
         <p:cNvGrpSpPr/>
         <p:nvPr/>
       </p:nvGrpSpPr>
@@ -14809,7 +16103,7 @@
       </p:grpSpPr>
       <p:sp>
         <p:nvSpPr>
-          <p:cNvPr id="153" name="Google Shape;153;p25"/>
+          <p:cNvPr id="173" name="Google Shape;173;p26"/>
           <p:cNvSpPr txBox="1"/>
           <p:nvPr/>
         </p:nvSpPr>
@@ -14875,7 +16169,7 @@
       </p:sp>
       <p:sp>
         <p:nvSpPr>
-          <p:cNvPr id="154" name="Google Shape;154;p25"/>
+          <p:cNvPr id="174" name="Google Shape;174;p26"/>
           <p:cNvSpPr txBox="1"/>
           <p:nvPr/>
         </p:nvSpPr>
@@ -15322,7 +16616,7 @@
       </p:sp>
       <p:sp>
         <p:nvSpPr>
-          <p:cNvPr id="155" name="Google Shape;155;p25"/>
+          <p:cNvPr id="175" name="Google Shape;175;p26"/>
           <p:cNvSpPr txBox="1"/>
           <p:nvPr/>
         </p:nvSpPr>
@@ -15540,6 +16834,84 @@
           </a:p>
         </p:txBody>
       </p:sp>
+      <p:pic>
+        <p:nvPicPr>
+          <p:cNvPr id="176" name="Google Shape;176;p26"/>
+          <p:cNvPicPr preferRelativeResize="0"/>
+          <p:nvPr/>
+        </p:nvPicPr>
+        <p:blipFill>
+          <a:blip r:embed="rId6" cstate="email">
+            <a:alphaModFix/>
+            <a:extLst>
+              <a:ext uri="{28A0092B-C50C-407E-A947-70E740481C1C}">
+                <a14:useLocalDpi xmlns:a14="http://schemas.microsoft.com/office/drawing/2010/main"/>
+              </a:ext>
+            </a:extLst>
+          </a:blip>
+          <a:stretch>
+            <a:fillRect/>
+          </a:stretch>
+        </p:blipFill>
+        <p:spPr>
+          <a:xfrm>
+            <a:off x="4895500" y="698274"/>
+            <a:ext cx="3204349" cy="1802450"/>
+          </a:xfrm>
+          <a:prstGeom prst="rect">
+            <a:avLst/>
+          </a:prstGeom>
+          <a:noFill/>
+          <a:ln w="9525" cap="flat" cmpd="sng">
+            <a:solidFill>
+              <a:srgbClr val="FF0000"/>
+            </a:solidFill>
+            <a:prstDash val="solid"/>
+            <a:round/>
+            <a:headEnd type="none" w="sm" len="sm"/>
+            <a:tailEnd type="none" w="sm" len="sm"/>
+          </a:ln>
+        </p:spPr>
+      </p:pic>
+      <p:pic>
+        <p:nvPicPr>
+          <p:cNvPr id="177" name="Google Shape;177;p26"/>
+          <p:cNvPicPr preferRelativeResize="0"/>
+          <p:nvPr/>
+        </p:nvPicPr>
+        <p:blipFill>
+          <a:blip r:embed="rId7" cstate="email">
+            <a:alphaModFix/>
+            <a:extLst>
+              <a:ext uri="{28A0092B-C50C-407E-A947-70E740481C1C}">
+                <a14:useLocalDpi xmlns:a14="http://schemas.microsoft.com/office/drawing/2010/main"/>
+              </a:ext>
+            </a:extLst>
+          </a:blip>
+          <a:stretch>
+            <a:fillRect/>
+          </a:stretch>
+        </p:blipFill>
+        <p:spPr>
+          <a:xfrm>
+            <a:off x="5249550" y="2830149"/>
+            <a:ext cx="2590725" cy="1457750"/>
+          </a:xfrm>
+          <a:prstGeom prst="rect">
+            <a:avLst/>
+          </a:prstGeom>
+          <a:noFill/>
+          <a:ln w="9525" cap="flat" cmpd="sng">
+            <a:solidFill>
+              <a:srgbClr val="FF0000"/>
+            </a:solidFill>
+            <a:prstDash val="solid"/>
+            <a:round/>
+            <a:headEnd type="none" w="sm" len="sm"/>
+            <a:tailEnd type="none" w="sm" len="sm"/>
+          </a:ln>
+        </p:spPr>
+      </p:pic>
     </p:spTree>
   </p:cSld>
   <p:clrMapOvr>
@@ -15548,12 +16920,12 @@
 </p:sld>
 </file>
 
-<file path=ppt/slides/slide12.xml><?xml version="1.0" encoding="utf-8"?>
+<file path=ppt/slides/slide13.xml><?xml version="1.0" encoding="utf-8"?>
 <p:sld xmlns:a="http://schemas.openxmlformats.org/drawingml/2006/main" xmlns:r="http://schemas.openxmlformats.org/officeDocument/2006/relationships" xmlns:p="http://schemas.openxmlformats.org/presentationml/2006/main">
   <p:cSld>
     <p:spTree>
       <p:nvGrpSpPr>
-        <p:cNvPr id="1" name="Shape 159"/>
+        <p:cNvPr id="1" name="Shape 181"/>
         <p:cNvGrpSpPr/>
         <p:nvPr/>
       </p:nvGrpSpPr>
@@ -15567,7 +16939,7 @@
       </p:grpSpPr>
       <p:sp>
         <p:nvSpPr>
-          <p:cNvPr id="160" name="Google Shape;160;p26"/>
+          <p:cNvPr id="182" name="Google Shape;182;p27"/>
           <p:cNvSpPr txBox="1"/>
           <p:nvPr/>
         </p:nvSpPr>
@@ -15633,7 +17005,7 @@
       </p:sp>
       <p:sp>
         <p:nvSpPr>
-          <p:cNvPr id="161" name="Google Shape;161;p26"/>
+          <p:cNvPr id="183" name="Google Shape;183;p27"/>
           <p:cNvSpPr txBox="1"/>
           <p:nvPr/>
         </p:nvSpPr>
@@ -15715,16 +17087,16 @@
                 <a:spcPts val="0"/>
               </a:spcAft>
               <a:buClr>
-                <a:schemeClr val="dk1"/>
+                <a:srgbClr val="3C78D8"/>
               </a:buClr>
               <a:buSzPts val="900"/>
               <a:buFont typeface="Calibri"/>
               <a:buChar char="●"/>
             </a:pPr>
             <a:r>
-              <a:rPr lang="en" sz="1200">
-                <a:solidFill>
-                  <a:schemeClr val="dk1"/>
+              <a:rPr lang="en" sz="1200" b="1">
+                <a:solidFill>
+                  <a:srgbClr val="3C78D8"/>
                 </a:solidFill>
                 <a:latin typeface="Calibri"/>
                 <a:ea typeface="Calibri"/>
@@ -15733,9 +17105,9 @@
               </a:rPr>
               <a:t>Finding information without constantly using real search engines</a:t>
             </a:r>
-            <a:endParaRPr sz="1200">
+            <a:endParaRPr sz="1200" b="1">
               <a:solidFill>
-                <a:schemeClr val="dk1"/>
+                <a:srgbClr val="3C78D8"/>
               </a:solidFill>
               <a:latin typeface="Calibri"/>
               <a:ea typeface="Calibri"/>
@@ -15802,6 +17174,18 @@
               <a:buChar char="○"/>
             </a:pPr>
             <a:r>
+              <a:rPr lang="en" sz="1200" b="1">
+                <a:solidFill>
+                  <a:srgbClr val="6AA84F"/>
+                </a:solidFill>
+                <a:latin typeface="Calibri"/>
+                <a:ea typeface="Calibri"/>
+                <a:cs typeface="Calibri"/>
+                <a:sym typeface="Calibri"/>
+              </a:rPr>
+              <a:t>Train one AI </a:t>
+            </a:r>
+            <a:r>
               <a:rPr lang="en" sz="1200">
                 <a:solidFill>
                   <a:schemeClr val="dk1"/>
@@ -15811,7 +17195,7 @@
                 <a:cs typeface="Calibri"/>
                 <a:sym typeface="Calibri"/>
               </a:rPr>
-              <a:t>Train one AI to generate both good and not-so-good "fake search results" for questions; </a:t>
+              <a:t>to generate both good and not-so-good "fake search results" for questions; </a:t>
             </a:r>
             <a:endParaRPr sz="1200">
               <a:solidFill>
@@ -15851,7 +17235,31 @@
                 <a:cs typeface="Calibri"/>
                 <a:sym typeface="Calibri"/>
               </a:rPr>
-              <a:t>Then use this as a training environment for another AI, teaching it to reason through information and find answers; </a:t>
+              <a:t>Then use this as a training environment for </a:t>
+            </a:r>
+            <a:r>
+              <a:rPr lang="en" sz="1200" b="1">
+                <a:solidFill>
+                  <a:srgbClr val="6AA84F"/>
+                </a:solidFill>
+                <a:latin typeface="Calibri"/>
+                <a:ea typeface="Calibri"/>
+                <a:cs typeface="Calibri"/>
+                <a:sym typeface="Calibri"/>
+              </a:rPr>
+              <a:t>another AI</a:t>
+            </a:r>
+            <a:r>
+              <a:rPr lang="en" sz="1200">
+                <a:solidFill>
+                  <a:schemeClr val="dk1"/>
+                </a:solidFill>
+                <a:latin typeface="Calibri"/>
+                <a:ea typeface="Calibri"/>
+                <a:cs typeface="Calibri"/>
+                <a:sym typeface="Calibri"/>
+              </a:rPr>
+              <a:t>, teaching it to reason through information and find answers; </a:t>
             </a:r>
             <a:endParaRPr sz="1200">
               <a:solidFill>
@@ -15882,6 +17290,18 @@
               <a:buChar char="○"/>
             </a:pPr>
             <a:r>
+              <a:rPr lang="en" sz="1200" b="1">
+                <a:solidFill>
+                  <a:srgbClr val="6AA84F"/>
+                </a:solidFill>
+                <a:latin typeface="Calibri"/>
+                <a:ea typeface="Calibri"/>
+                <a:cs typeface="Calibri"/>
+                <a:sym typeface="Calibri"/>
+              </a:rPr>
+              <a:t>Gradually make this training harder</a:t>
+            </a:r>
+            <a:r>
               <a:rPr lang="en" sz="1200">
                 <a:solidFill>
                   <a:schemeClr val="dk1"/>
@@ -15891,7 +17311,7 @@
                 <a:cs typeface="Calibri"/>
                 <a:sym typeface="Calibri"/>
               </a:rPr>
-              <a:t>Gradually make this training harder by making the fake search results more challenging; </a:t>
+              <a:t> by making the fake search results more challenging; </a:t>
             </a:r>
             <a:endParaRPr sz="1200">
               <a:solidFill>
@@ -15924,6 +17344,18 @@
             <a:r>
               <a:rPr lang="en" sz="1200">
                 <a:solidFill>
+                  <a:srgbClr val="3C78D8"/>
+                </a:solidFill>
+                <a:latin typeface="Calibri"/>
+                <a:ea typeface="Calibri"/>
+                <a:cs typeface="Calibri"/>
+                <a:sym typeface="Calibri"/>
+              </a:rPr>
+              <a:t>This helps the AI learn to be a good searcher without needing real search engines.</a:t>
+            </a:r>
+            <a:r>
+              <a:rPr lang="en" sz="1200">
+                <a:solidFill>
                   <a:schemeClr val="dk1"/>
                 </a:solidFill>
                 <a:latin typeface="Calibri"/>
@@ -15931,7 +17363,7 @@
                 <a:cs typeface="Calibri"/>
                 <a:sym typeface="Calibri"/>
               </a:rPr>
-              <a:t>This helps the AI learn to be a good searcher without needing real search engines. </a:t>
+              <a:t> </a:t>
             </a:r>
             <a:endParaRPr sz="1200">
               <a:solidFill>
@@ -15971,7 +17403,31 @@
                 <a:cs typeface="Calibri"/>
                 <a:sym typeface="Calibri"/>
               </a:rPr>
-              <a:t>This works very well. Authors tried 3B, 7B, and 14B models. The resultant performance of the large (14B) model has matched or even exceeded what they'd get with real search engines.</a:t>
+              <a:t>This works very well. Authors tried 3B, 7B, and 14B models. The resultant performance of the </a:t>
+            </a:r>
+            <a:r>
+              <a:rPr lang="en" sz="1200">
+                <a:solidFill>
+                  <a:srgbClr val="3C78D8"/>
+                </a:solidFill>
+                <a:latin typeface="Calibri"/>
+                <a:ea typeface="Calibri"/>
+                <a:cs typeface="Calibri"/>
+                <a:sym typeface="Calibri"/>
+              </a:rPr>
+              <a:t>large (14B) model has matched or even exceeded what they'd get with real search engines</a:t>
+            </a:r>
+            <a:r>
+              <a:rPr lang="en" sz="1200">
+                <a:solidFill>
+                  <a:schemeClr val="dk1"/>
+                </a:solidFill>
+                <a:latin typeface="Calibri"/>
+                <a:ea typeface="Calibri"/>
+                <a:cs typeface="Calibri"/>
+                <a:sym typeface="Calibri"/>
+              </a:rPr>
+              <a:t>.</a:t>
             </a:r>
             <a:endParaRPr sz="1200">
               <a:solidFill>
@@ -16078,6 +17534,45 @@
           </a:p>
         </p:txBody>
       </p:sp>
+      <p:pic>
+        <p:nvPicPr>
+          <p:cNvPr id="184" name="Google Shape;184;p27"/>
+          <p:cNvPicPr preferRelativeResize="0"/>
+          <p:nvPr/>
+        </p:nvPicPr>
+        <p:blipFill>
+          <a:blip r:embed="rId4" cstate="email">
+            <a:alphaModFix/>
+            <a:extLst>
+              <a:ext uri="{28A0092B-C50C-407E-A947-70E740481C1C}">
+                <a14:useLocalDpi xmlns:a14="http://schemas.microsoft.com/office/drawing/2010/main"/>
+              </a:ext>
+            </a:extLst>
+          </a:blip>
+          <a:stretch>
+            <a:fillRect/>
+          </a:stretch>
+        </p:blipFill>
+        <p:spPr>
+          <a:xfrm>
+            <a:off x="4642050" y="849100"/>
+            <a:ext cx="4332127" cy="2888084"/>
+          </a:xfrm>
+          <a:prstGeom prst="rect">
+            <a:avLst/>
+          </a:prstGeom>
+          <a:noFill/>
+          <a:ln w="9525" cap="flat" cmpd="sng">
+            <a:solidFill>
+              <a:srgbClr val="FF0000"/>
+            </a:solidFill>
+            <a:prstDash val="solid"/>
+            <a:round/>
+            <a:headEnd type="none" w="sm" len="sm"/>
+            <a:tailEnd type="none" w="sm" len="sm"/>
+          </a:ln>
+        </p:spPr>
+      </p:pic>
     </p:spTree>
   </p:cSld>
   <p:clrMapOvr>
@@ -16086,12 +17581,12 @@
 </p:sld>
 </file>
 
-<file path=ppt/slides/slide13.xml><?xml version="1.0" encoding="utf-8"?>
+<file path=ppt/slides/slide14.xml><?xml version="1.0" encoding="utf-8"?>
 <p:sld xmlns:a="http://schemas.openxmlformats.org/drawingml/2006/main" xmlns:r="http://schemas.openxmlformats.org/officeDocument/2006/relationships" xmlns:p="http://schemas.openxmlformats.org/presentationml/2006/main">
   <p:cSld>
     <p:spTree>
       <p:nvGrpSpPr>
-        <p:cNvPr id="1" name="Shape 165"/>
+        <p:cNvPr id="1" name="Shape 188"/>
         <p:cNvGrpSpPr/>
         <p:nvPr/>
       </p:nvGrpSpPr>
@@ -16105,7 +17600,7 @@
       </p:grpSpPr>
       <p:sp>
         <p:nvSpPr>
-          <p:cNvPr id="166" name="Google Shape;166;p27"/>
+          <p:cNvPr id="189" name="Google Shape;189;p28"/>
           <p:cNvSpPr txBox="1"/>
           <p:nvPr/>
         </p:nvSpPr>
@@ -16171,7 +17666,7 @@
       </p:sp>
       <p:sp>
         <p:nvSpPr>
-          <p:cNvPr id="167" name="Google Shape;167;p27"/>
+          <p:cNvPr id="190" name="Google Shape;190;p28"/>
           <p:cNvSpPr txBox="1"/>
           <p:nvPr/>
         </p:nvSpPr>
@@ -16789,7 +18284,7 @@
       </p:sp>
       <p:sp>
         <p:nvSpPr>
-          <p:cNvPr id="168" name="Google Shape;168;p27"/>
+          <p:cNvPr id="191" name="Google Shape;191;p28"/>
           <p:cNvSpPr txBox="1"/>
           <p:nvPr/>
         </p:nvSpPr>
@@ -16974,7 +18469,7 @@
       </p:sp>
       <p:sp>
         <p:nvSpPr>
-          <p:cNvPr id="169" name="Google Shape;169;p27"/>
+          <p:cNvPr id="192" name="Google Shape;192;p28"/>
           <p:cNvSpPr txBox="1"/>
           <p:nvPr/>
         </p:nvSpPr>
@@ -17297,6 +18792,45 @@
           </a:p>
         </p:txBody>
       </p:sp>
+      <p:pic>
+        <p:nvPicPr>
+          <p:cNvPr id="193" name="Google Shape;193;p28"/>
+          <p:cNvPicPr preferRelativeResize="0"/>
+          <p:nvPr/>
+        </p:nvPicPr>
+        <p:blipFill>
+          <a:blip r:embed="rId4" cstate="email">
+            <a:alphaModFix/>
+            <a:extLst>
+              <a:ext uri="{28A0092B-C50C-407E-A947-70E740481C1C}">
+                <a14:useLocalDpi xmlns:a14="http://schemas.microsoft.com/office/drawing/2010/main"/>
+              </a:ext>
+            </a:extLst>
+          </a:blip>
+          <a:stretch>
+            <a:fillRect/>
+          </a:stretch>
+        </p:blipFill>
+        <p:spPr>
+          <a:xfrm>
+            <a:off x="845275" y="4143900"/>
+            <a:ext cx="3084049" cy="845975"/>
+          </a:xfrm>
+          <a:prstGeom prst="rect">
+            <a:avLst/>
+          </a:prstGeom>
+          <a:noFill/>
+          <a:ln w="9525" cap="flat" cmpd="sng">
+            <a:solidFill>
+              <a:srgbClr val="FF0000"/>
+            </a:solidFill>
+            <a:prstDash val="solid"/>
+            <a:round/>
+            <a:headEnd type="none" w="sm" len="sm"/>
+            <a:tailEnd type="none" w="sm" len="sm"/>
+          </a:ln>
+        </p:spPr>
+      </p:pic>
     </p:spTree>
   </p:cSld>
   <p:clrMapOvr>
@@ -17305,12 +18839,12 @@
 </p:sld>
 </file>
 
-<file path=ppt/slides/slide14.xml><?xml version="1.0" encoding="utf-8"?>
+<file path=ppt/slides/slide15.xml><?xml version="1.0" encoding="utf-8"?>
 <p:sld xmlns:a="http://schemas.openxmlformats.org/drawingml/2006/main" xmlns:r="http://schemas.openxmlformats.org/officeDocument/2006/relationships" xmlns:p="http://schemas.openxmlformats.org/presentationml/2006/main">
   <p:cSld>
     <p:spTree>
       <p:nvGrpSpPr>
-        <p:cNvPr id="1" name="Shape 173"/>
+        <p:cNvPr id="1" name="Shape 197"/>
         <p:cNvGrpSpPr/>
         <p:nvPr/>
       </p:nvGrpSpPr>
@@ -17324,7 +18858,7 @@
       </p:grpSpPr>
       <p:sp>
         <p:nvSpPr>
-          <p:cNvPr id="174" name="Google Shape;174;p28"/>
+          <p:cNvPr id="198" name="Google Shape;198;p29"/>
           <p:cNvSpPr txBox="1"/>
           <p:nvPr/>
         </p:nvSpPr>
@@ -17390,7 +18924,7 @@
       </p:sp>
       <p:sp>
         <p:nvSpPr>
-          <p:cNvPr id="175" name="Google Shape;175;p28"/>
+          <p:cNvPr id="199" name="Google Shape;199;p29"/>
           <p:cNvSpPr txBox="1"/>
           <p:nvPr/>
         </p:nvSpPr>
@@ -18018,7 +19552,7 @@
       </p:sp>
       <p:pic>
         <p:nvPicPr>
-          <p:cNvPr id="176" name="Google Shape;176;p28"/>
+          <p:cNvPr id="200" name="Google Shape;200;p29"/>
           <p:cNvPicPr preferRelativeResize="0"/>
           <p:nvPr/>
         </p:nvPicPr>
@@ -18050,7 +19584,7 @@
       </p:pic>
       <p:pic>
         <p:nvPicPr>
-          <p:cNvPr id="177" name="Google Shape;177;p28"/>
+          <p:cNvPr id="201" name="Google Shape;201;p29"/>
           <p:cNvPicPr preferRelativeResize="0"/>
           <p:nvPr/>
         </p:nvPicPr>
@@ -18089,7 +19623,7 @@
       </p:pic>
       <p:pic>
         <p:nvPicPr>
-          <p:cNvPr id="178" name="Google Shape;178;p28"/>
+          <p:cNvPr id="202" name="Google Shape;202;p29"/>
           <p:cNvPicPr preferRelativeResize="0"/>
           <p:nvPr/>
         </p:nvPicPr>
@@ -18128,12 +19662,12 @@
 </p:sld>
 </file>
 
-<file path=ppt/slides/slide15.xml><?xml version="1.0" encoding="utf-8"?>
+<file path=ppt/slides/slide16.xml><?xml version="1.0" encoding="utf-8"?>
 <p:sld xmlns:a="http://schemas.openxmlformats.org/drawingml/2006/main" xmlns:r="http://schemas.openxmlformats.org/officeDocument/2006/relationships" xmlns:p="http://schemas.openxmlformats.org/presentationml/2006/main">
   <p:cSld>
     <p:spTree>
       <p:nvGrpSpPr>
-        <p:cNvPr id="1" name="Shape 182"/>
+        <p:cNvPr id="1" name="Shape 206"/>
         <p:cNvGrpSpPr/>
         <p:nvPr/>
       </p:nvGrpSpPr>
@@ -18147,7 +19681,7 @@
       </p:grpSpPr>
       <p:sp>
         <p:nvSpPr>
-          <p:cNvPr id="183" name="Google Shape;183;p29"/>
+          <p:cNvPr id="207" name="Google Shape;207;p30"/>
           <p:cNvSpPr txBox="1"/>
           <p:nvPr/>
         </p:nvSpPr>
@@ -18314,7 +19848,7 @@
       </p:sp>
       <p:sp>
         <p:nvSpPr>
-          <p:cNvPr id="184" name="Google Shape;184;p29"/>
+          <p:cNvPr id="208" name="Google Shape;208;p30"/>
           <p:cNvSpPr txBox="1"/>
           <p:nvPr/>
         </p:nvSpPr>
@@ -18380,7 +19914,7 @@
       </p:sp>
       <p:sp>
         <p:nvSpPr>
-          <p:cNvPr id="185" name="Google Shape;185;p29"/>
+          <p:cNvPr id="209" name="Google Shape;209;p30"/>
           <p:cNvSpPr txBox="1"/>
           <p:nvPr/>
         </p:nvSpPr>
@@ -18606,7 +20140,7 @@
       </p:sp>
       <p:sp>
         <p:nvSpPr>
-          <p:cNvPr id="186" name="Google Shape;186;p29"/>
+          <p:cNvPr id="210" name="Google Shape;210;p30"/>
           <p:cNvSpPr txBox="1"/>
           <p:nvPr/>
         </p:nvSpPr>
@@ -18680,7 +20214,7 @@
       </p:sp>
       <p:sp>
         <p:nvSpPr>
-          <p:cNvPr id="187" name="Google Shape;187;p29"/>
+          <p:cNvPr id="211" name="Google Shape;211;p30"/>
           <p:cNvSpPr txBox="1"/>
           <p:nvPr/>
         </p:nvSpPr>
@@ -18850,7 +20384,7 @@
       </p:sp>
       <p:sp>
         <p:nvSpPr>
-          <p:cNvPr id="188" name="Google Shape;188;p29"/>
+          <p:cNvPr id="212" name="Google Shape;212;p30"/>
           <p:cNvSpPr txBox="1"/>
           <p:nvPr/>
         </p:nvSpPr>
@@ -18924,7 +20458,7 @@
       </p:sp>
       <p:sp>
         <p:nvSpPr>
-          <p:cNvPr id="189" name="Google Shape;189;p29"/>
+          <p:cNvPr id="213" name="Google Shape;213;p30"/>
           <p:cNvSpPr txBox="1"/>
           <p:nvPr/>
         </p:nvSpPr>
@@ -19002,7 +20536,7 @@
       </p:sp>
       <p:sp>
         <p:nvSpPr>
-          <p:cNvPr id="190" name="Google Shape;190;p29"/>
+          <p:cNvPr id="214" name="Google Shape;214;p30"/>
           <p:cNvSpPr/>
           <p:nvPr/>
         </p:nvSpPr>
@@ -19064,7 +20598,7 @@
       </p:sp>
       <p:sp>
         <p:nvSpPr>
-          <p:cNvPr id="191" name="Google Shape;191;p29"/>
+          <p:cNvPr id="215" name="Google Shape;215;p30"/>
           <p:cNvSpPr/>
           <p:nvPr/>
         </p:nvSpPr>
@@ -19126,7 +20660,7 @@
       </p:sp>
       <p:sp>
         <p:nvSpPr>
-          <p:cNvPr id="192" name="Google Shape;192;p29"/>
+          <p:cNvPr id="216" name="Google Shape;216;p30"/>
           <p:cNvSpPr/>
           <p:nvPr/>
         </p:nvSpPr>
@@ -19188,7 +20722,7 @@
       </p:sp>
       <p:sp>
         <p:nvSpPr>
-          <p:cNvPr id="193" name="Google Shape;193;p29"/>
+          <p:cNvPr id="217" name="Google Shape;217;p30"/>
           <p:cNvSpPr/>
           <p:nvPr/>
         </p:nvSpPr>
@@ -19250,7 +20784,7 @@
       </p:sp>
       <p:sp>
         <p:nvSpPr>
-          <p:cNvPr id="194" name="Google Shape;194;p29"/>
+          <p:cNvPr id="218" name="Google Shape;218;p30"/>
           <p:cNvSpPr/>
           <p:nvPr/>
         </p:nvSpPr>
@@ -19312,7 +20846,7 @@
       </p:sp>
       <p:sp>
         <p:nvSpPr>
-          <p:cNvPr id="195" name="Google Shape;195;p29"/>
+          <p:cNvPr id="219" name="Google Shape;219;p30"/>
           <p:cNvSpPr/>
           <p:nvPr/>
         </p:nvSpPr>
@@ -19374,7 +20908,7 @@
       </p:sp>
       <p:sp>
         <p:nvSpPr>
-          <p:cNvPr id="196" name="Google Shape;196;p29"/>
+          <p:cNvPr id="220" name="Google Shape;220;p30"/>
           <p:cNvSpPr/>
           <p:nvPr/>
         </p:nvSpPr>
@@ -19436,7 +20970,7 @@
       </p:sp>
       <p:sp>
         <p:nvSpPr>
-          <p:cNvPr id="197" name="Google Shape;197;p29"/>
+          <p:cNvPr id="221" name="Google Shape;221;p30"/>
           <p:cNvSpPr txBox="1"/>
           <p:nvPr/>
         </p:nvSpPr>
@@ -19514,7 +21048,7 @@
       </p:sp>
       <p:sp>
         <p:nvSpPr>
-          <p:cNvPr id="198" name="Google Shape;198;p29"/>
+          <p:cNvPr id="222" name="Google Shape;222;p30"/>
           <p:cNvSpPr/>
           <p:nvPr/>
         </p:nvSpPr>
@@ -19576,7 +21110,7 @@
       </p:sp>
       <p:sp>
         <p:nvSpPr>
-          <p:cNvPr id="199" name="Google Shape;199;p29"/>
+          <p:cNvPr id="223" name="Google Shape;223;p30"/>
           <p:cNvSpPr/>
           <p:nvPr/>
         </p:nvSpPr>
@@ -19638,7 +21172,7 @@
       </p:sp>
       <p:sp>
         <p:nvSpPr>
-          <p:cNvPr id="200" name="Google Shape;200;p29"/>
+          <p:cNvPr id="224" name="Google Shape;224;p30"/>
           <p:cNvSpPr txBox="1"/>
           <p:nvPr/>
         </p:nvSpPr>
@@ -19716,7 +21250,7 @@
       </p:sp>
       <p:sp>
         <p:nvSpPr>
-          <p:cNvPr id="201" name="Google Shape;201;p29"/>
+          <p:cNvPr id="225" name="Google Shape;225;p30"/>
           <p:cNvSpPr txBox="1"/>
           <p:nvPr/>
         </p:nvSpPr>
@@ -19790,7 +21324,7 @@
       </p:sp>
       <p:sp>
         <p:nvSpPr>
-          <p:cNvPr id="202" name="Google Shape;202;p29"/>
+          <p:cNvPr id="226" name="Google Shape;226;p30"/>
           <p:cNvSpPr txBox="1"/>
           <p:nvPr/>
         </p:nvSpPr>
@@ -19864,7 +21398,7 @@
       </p:sp>
       <p:sp>
         <p:nvSpPr>
-          <p:cNvPr id="203" name="Google Shape;203;p29"/>
+          <p:cNvPr id="227" name="Google Shape;227;p30"/>
           <p:cNvSpPr/>
           <p:nvPr/>
         </p:nvSpPr>
@@ -19926,7 +21460,7 @@
       </p:sp>
       <p:sp>
         <p:nvSpPr>
-          <p:cNvPr id="204" name="Google Shape;204;p29"/>
+          <p:cNvPr id="228" name="Google Shape;228;p30"/>
           <p:cNvSpPr/>
           <p:nvPr/>
         </p:nvSpPr>
@@ -19988,7 +21522,7 @@
       </p:sp>
       <p:sp>
         <p:nvSpPr>
-          <p:cNvPr id="205" name="Google Shape;205;p29"/>
+          <p:cNvPr id="229" name="Google Shape;229;p30"/>
           <p:cNvSpPr/>
           <p:nvPr/>
         </p:nvSpPr>
@@ -20050,7 +21584,7 @@
       </p:sp>
       <p:sp>
         <p:nvSpPr>
-          <p:cNvPr id="206" name="Google Shape;206;p29"/>
+          <p:cNvPr id="230" name="Google Shape;230;p30"/>
           <p:cNvSpPr/>
           <p:nvPr/>
         </p:nvSpPr>
@@ -20112,7 +21646,7 @@
       </p:sp>
       <p:sp>
         <p:nvSpPr>
-          <p:cNvPr id="207" name="Google Shape;207;p29"/>
+          <p:cNvPr id="231" name="Google Shape;231;p30"/>
           <p:cNvSpPr/>
           <p:nvPr/>
         </p:nvSpPr>
@@ -20174,7 +21708,7 @@
       </p:sp>
       <p:sp>
         <p:nvSpPr>
-          <p:cNvPr id="208" name="Google Shape;208;p29"/>
+          <p:cNvPr id="232" name="Google Shape;232;p30"/>
           <p:cNvSpPr/>
           <p:nvPr/>
         </p:nvSpPr>
@@ -20236,7 +21770,7 @@
       </p:sp>
       <p:sp>
         <p:nvSpPr>
-          <p:cNvPr id="209" name="Google Shape;209;p29"/>
+          <p:cNvPr id="233" name="Google Shape;233;p30"/>
           <p:cNvSpPr txBox="1"/>
           <p:nvPr/>
         </p:nvSpPr>
@@ -20314,7 +21848,7 @@
       </p:sp>
       <p:sp>
         <p:nvSpPr>
-          <p:cNvPr id="210" name="Google Shape;210;p29"/>
+          <p:cNvPr id="234" name="Google Shape;234;p30"/>
           <p:cNvSpPr/>
           <p:nvPr/>
         </p:nvSpPr>
@@ -20376,7 +21910,7 @@
       </p:sp>
       <p:sp>
         <p:nvSpPr>
-          <p:cNvPr id="211" name="Google Shape;211;p29"/>
+          <p:cNvPr id="235" name="Google Shape;235;p30"/>
           <p:cNvSpPr/>
           <p:nvPr/>
         </p:nvSpPr>
@@ -20438,7 +21972,7 @@
       </p:sp>
       <p:sp>
         <p:nvSpPr>
-          <p:cNvPr id="212" name="Google Shape;212;p29"/>
+          <p:cNvPr id="236" name="Google Shape;236;p30"/>
           <p:cNvSpPr/>
           <p:nvPr/>
         </p:nvSpPr>
@@ -20500,7 +22034,7 @@
       </p:sp>
       <p:sp>
         <p:nvSpPr>
-          <p:cNvPr id="213" name="Google Shape;213;p29"/>
+          <p:cNvPr id="237" name="Google Shape;237;p30"/>
           <p:cNvSpPr/>
           <p:nvPr/>
         </p:nvSpPr>
@@ -20562,7 +22096,7 @@
       </p:sp>
       <p:sp>
         <p:nvSpPr>
-          <p:cNvPr id="214" name="Google Shape;214;p29"/>
+          <p:cNvPr id="238" name="Google Shape;238;p30"/>
           <p:cNvSpPr txBox="1"/>
           <p:nvPr/>
         </p:nvSpPr>
@@ -20740,7 +22274,7 @@
       </p:sp>
       <p:sp>
         <p:nvSpPr>
-          <p:cNvPr id="215" name="Google Shape;215;p29"/>
+          <p:cNvPr id="239" name="Google Shape;239;p30"/>
           <p:cNvSpPr/>
           <p:nvPr/>
         </p:nvSpPr>
@@ -20802,7 +22336,7 @@
       </p:sp>
       <p:sp>
         <p:nvSpPr>
-          <p:cNvPr id="216" name="Google Shape;216;p29"/>
+          <p:cNvPr id="240" name="Google Shape;240;p30"/>
           <p:cNvSpPr/>
           <p:nvPr/>
         </p:nvSpPr>
@@ -20864,7 +22398,7 @@
       </p:sp>
       <p:sp>
         <p:nvSpPr>
-          <p:cNvPr id="217" name="Google Shape;217;p29"/>
+          <p:cNvPr id="241" name="Google Shape;241;p30"/>
           <p:cNvSpPr/>
           <p:nvPr/>
         </p:nvSpPr>
@@ -20926,7 +22460,7 @@
       </p:sp>
       <p:sp>
         <p:nvSpPr>
-          <p:cNvPr id="218" name="Google Shape;218;p29"/>
+          <p:cNvPr id="242" name="Google Shape;242;p30"/>
           <p:cNvSpPr/>
           <p:nvPr/>
         </p:nvSpPr>
@@ -20988,7 +22522,7 @@
       </p:sp>
       <p:sp>
         <p:nvSpPr>
-          <p:cNvPr id="219" name="Google Shape;219;p29"/>
+          <p:cNvPr id="243" name="Google Shape;243;p30"/>
           <p:cNvSpPr/>
           <p:nvPr/>
         </p:nvSpPr>
@@ -21050,7 +22584,7 @@
       </p:sp>
       <p:sp>
         <p:nvSpPr>
-          <p:cNvPr id="220" name="Google Shape;220;p29"/>
+          <p:cNvPr id="244" name="Google Shape;244;p30"/>
           <p:cNvSpPr/>
           <p:nvPr/>
         </p:nvSpPr>
@@ -21112,7 +22646,7 @@
       </p:sp>
       <p:sp>
         <p:nvSpPr>
-          <p:cNvPr id="221" name="Google Shape;221;p29"/>
+          <p:cNvPr id="245" name="Google Shape;245;p30"/>
           <p:cNvSpPr/>
           <p:nvPr/>
         </p:nvSpPr>
@@ -21174,7 +22708,7 @@
       </p:sp>
       <p:sp>
         <p:nvSpPr>
-          <p:cNvPr id="222" name="Google Shape;222;p29"/>
+          <p:cNvPr id="246" name="Google Shape;246;p30"/>
           <p:cNvSpPr/>
           <p:nvPr/>
         </p:nvSpPr>
@@ -21236,7 +22770,7 @@
       </p:sp>
       <p:sp>
         <p:nvSpPr>
-          <p:cNvPr id="223" name="Google Shape;223;p29"/>
+          <p:cNvPr id="247" name="Google Shape;247;p30"/>
           <p:cNvSpPr txBox="1"/>
           <p:nvPr/>
         </p:nvSpPr>
@@ -21808,7 +23342,7 @@
       </p:sp>
       <p:sp>
         <p:nvSpPr>
-          <p:cNvPr id="224" name="Google Shape;224;p29"/>
+          <p:cNvPr id="248" name="Google Shape;248;p30"/>
           <p:cNvSpPr/>
           <p:nvPr/>
         </p:nvSpPr>
@@ -21870,7 +23404,7 @@
       </p:sp>
       <p:sp>
         <p:nvSpPr>
-          <p:cNvPr id="225" name="Google Shape;225;p29"/>
+          <p:cNvPr id="249" name="Google Shape;249;p30"/>
           <p:cNvSpPr/>
           <p:nvPr/>
         </p:nvSpPr>
@@ -21932,7 +23466,7 @@
       </p:sp>
       <p:sp>
         <p:nvSpPr>
-          <p:cNvPr id="226" name="Google Shape;226;p29"/>
+          <p:cNvPr id="250" name="Google Shape;250;p30"/>
           <p:cNvSpPr txBox="1"/>
           <p:nvPr/>
         </p:nvSpPr>
@@ -22010,7 +23544,7 @@
       </p:sp>
       <p:sp>
         <p:nvSpPr>
-          <p:cNvPr id="227" name="Google Shape;227;p29"/>
+          <p:cNvPr id="251" name="Google Shape;251;p30"/>
           <p:cNvSpPr/>
           <p:nvPr/>
         </p:nvSpPr>
@@ -22072,7 +23606,7 @@
       </p:sp>
       <p:sp>
         <p:nvSpPr>
-          <p:cNvPr id="228" name="Google Shape;228;p29"/>
+          <p:cNvPr id="252" name="Google Shape;252;p30"/>
           <p:cNvSpPr/>
           <p:nvPr/>
         </p:nvSpPr>
@@ -22134,7 +23668,7 @@
       </p:sp>
       <p:sp>
         <p:nvSpPr>
-          <p:cNvPr id="229" name="Google Shape;229;p29"/>
+          <p:cNvPr id="253" name="Google Shape;253;p30"/>
           <p:cNvSpPr/>
           <p:nvPr/>
         </p:nvSpPr>
@@ -22196,7 +23730,7 @@
       </p:sp>
       <p:sp>
         <p:nvSpPr>
-          <p:cNvPr id="230" name="Google Shape;230;p29"/>
+          <p:cNvPr id="254" name="Google Shape;254;p30"/>
           <p:cNvSpPr txBox="1"/>
           <p:nvPr/>
         </p:nvSpPr>
@@ -22274,7 +23808,7 @@
       </p:sp>
       <p:sp>
         <p:nvSpPr>
-          <p:cNvPr id="231" name="Google Shape;231;p29"/>
+          <p:cNvPr id="255" name="Google Shape;255;p30"/>
           <p:cNvSpPr/>
           <p:nvPr/>
         </p:nvSpPr>
@@ -22336,7 +23870,7 @@
       </p:sp>
       <p:sp>
         <p:nvSpPr>
-          <p:cNvPr id="232" name="Google Shape;232;p29"/>
+          <p:cNvPr id="256" name="Google Shape;256;p30"/>
           <p:cNvSpPr/>
           <p:nvPr/>
         </p:nvSpPr>
@@ -22398,7 +23932,7 @@
       </p:sp>
       <p:sp>
         <p:nvSpPr>
-          <p:cNvPr id="233" name="Google Shape;233;p29"/>
+          <p:cNvPr id="257" name="Google Shape;257;p30"/>
           <p:cNvSpPr txBox="1"/>
           <p:nvPr/>
         </p:nvSpPr>
@@ -22476,7 +24010,7 @@
       </p:sp>
       <p:pic>
         <p:nvPicPr>
-          <p:cNvPr id="234" name="Google Shape;234;p29"/>
+          <p:cNvPr id="258" name="Google Shape;258;p30"/>
           <p:cNvPicPr preferRelativeResize="0"/>
           <p:nvPr/>
         </p:nvPicPr>
@@ -22514,7 +24048,7 @@
       </p:pic>
       <p:sp>
         <p:nvSpPr>
-          <p:cNvPr id="235" name="Google Shape;235;p29"/>
+          <p:cNvPr id="259" name="Google Shape;259;p30"/>
           <p:cNvSpPr/>
           <p:nvPr/>
         </p:nvSpPr>
@@ -22576,7 +24110,7 @@
       </p:sp>
       <p:sp>
         <p:nvSpPr>
-          <p:cNvPr id="236" name="Google Shape;236;p29"/>
+          <p:cNvPr id="260" name="Google Shape;260;p30"/>
           <p:cNvSpPr txBox="1"/>
           <p:nvPr/>
         </p:nvSpPr>
@@ -22654,7 +24188,7 @@
       </p:sp>
       <p:sp>
         <p:nvSpPr>
-          <p:cNvPr id="237" name="Google Shape;237;p29"/>
+          <p:cNvPr id="261" name="Google Shape;261;p30"/>
           <p:cNvSpPr/>
           <p:nvPr/>
         </p:nvSpPr>
@@ -22716,7 +24250,7 @@
       </p:sp>
       <p:sp>
         <p:nvSpPr>
-          <p:cNvPr id="238" name="Google Shape;238;p29"/>
+          <p:cNvPr id="262" name="Google Shape;262;p30"/>
           <p:cNvSpPr/>
           <p:nvPr/>
         </p:nvSpPr>
@@ -22778,7 +24312,7 @@
       </p:sp>
       <p:sp>
         <p:nvSpPr>
-          <p:cNvPr id="239" name="Google Shape;239;p29"/>
+          <p:cNvPr id="263" name="Google Shape;263;p30"/>
           <p:cNvSpPr/>
           <p:nvPr/>
         </p:nvSpPr>
@@ -22840,7 +24374,7 @@
       </p:sp>
       <p:pic>
         <p:nvPicPr>
-          <p:cNvPr id="240" name="Google Shape;240;p29"/>
+          <p:cNvPr id="264" name="Google Shape;264;p30"/>
           <p:cNvPicPr preferRelativeResize="0"/>
           <p:nvPr/>
         </p:nvPicPr>
@@ -22878,7 +24412,7 @@
       </p:pic>
       <p:sp>
         <p:nvSpPr>
-          <p:cNvPr id="241" name="Google Shape;241;p29"/>
+          <p:cNvPr id="265" name="Google Shape;265;p30"/>
           <p:cNvSpPr/>
           <p:nvPr/>
         </p:nvSpPr>
@@ -22940,7 +24474,7 @@
       </p:sp>
       <p:sp>
         <p:nvSpPr>
-          <p:cNvPr id="242" name="Google Shape;242;p29"/>
+          <p:cNvPr id="266" name="Google Shape;266;p30"/>
           <p:cNvSpPr txBox="1"/>
           <p:nvPr/>
         </p:nvSpPr>
@@ -23018,7 +24552,7 @@
       </p:sp>
       <p:sp>
         <p:nvSpPr>
-          <p:cNvPr id="243" name="Google Shape;243;p29"/>
+          <p:cNvPr id="267" name="Google Shape;267;p30"/>
           <p:cNvSpPr/>
           <p:nvPr/>
         </p:nvSpPr>
@@ -23080,7 +24614,7 @@
       </p:sp>
       <p:sp>
         <p:nvSpPr>
-          <p:cNvPr id="244" name="Google Shape;244;p29"/>
+          <p:cNvPr id="268" name="Google Shape;268;p30"/>
           <p:cNvSpPr/>
           <p:nvPr/>
         </p:nvSpPr>
@@ -23133,7 +24667,7 @@
       </p:sp>
       <p:sp>
         <p:nvSpPr>
-          <p:cNvPr id="245" name="Google Shape;245;p29"/>
+          <p:cNvPr id="269" name="Google Shape;269;p30"/>
           <p:cNvSpPr/>
           <p:nvPr/>
         </p:nvSpPr>
@@ -23186,7 +24720,7 @@
       </p:sp>
       <p:sp>
         <p:nvSpPr>
-          <p:cNvPr id="246" name="Google Shape;246;p29"/>
+          <p:cNvPr id="270" name="Google Shape;270;p30"/>
           <p:cNvSpPr/>
           <p:nvPr/>
         </p:nvSpPr>
@@ -23239,7 +24773,7 @@
       </p:sp>
       <p:sp>
         <p:nvSpPr>
-          <p:cNvPr id="247" name="Google Shape;247;p29"/>
+          <p:cNvPr id="271" name="Google Shape;271;p30"/>
           <p:cNvSpPr/>
           <p:nvPr/>
         </p:nvSpPr>
@@ -23298,12 +24832,12 @@
 </p:sld>
 </file>
 
-<file path=ppt/slides/slide16.xml><?xml version="1.0" encoding="utf-8"?>
+<file path=ppt/slides/slide17.xml><?xml version="1.0" encoding="utf-8"?>
 <p:sld xmlns:a="http://schemas.openxmlformats.org/drawingml/2006/main" xmlns:r="http://schemas.openxmlformats.org/officeDocument/2006/relationships" xmlns:p="http://schemas.openxmlformats.org/presentationml/2006/main">
   <p:cSld>
     <p:spTree>
       <p:nvGrpSpPr>
-        <p:cNvPr id="1" name="Shape 251"/>
+        <p:cNvPr id="1" name="Shape 275"/>
         <p:cNvGrpSpPr/>
         <p:nvPr/>
       </p:nvGrpSpPr>
@@ -23317,7 +24851,7 @@
       </p:grpSpPr>
       <p:sp>
         <p:nvSpPr>
-          <p:cNvPr id="252" name="Google Shape;252;p30"/>
+          <p:cNvPr id="276" name="Google Shape;276;p31"/>
           <p:cNvSpPr txBox="1"/>
           <p:nvPr/>
         </p:nvSpPr>
@@ -23383,7 +24917,7 @@
       </p:sp>
       <p:sp>
         <p:nvSpPr>
-          <p:cNvPr id="253" name="Google Shape;253;p30"/>
+          <p:cNvPr id="277" name="Google Shape;277;p31"/>
           <p:cNvSpPr txBox="1"/>
           <p:nvPr/>
         </p:nvSpPr>
@@ -23470,7 +25004,7 @@
       </p:sp>
       <p:sp>
         <p:nvSpPr>
-          <p:cNvPr id="254" name="Google Shape;254;p30"/>
+          <p:cNvPr id="278" name="Google Shape;278;p31"/>
           <p:cNvSpPr txBox="1"/>
           <p:nvPr/>
         </p:nvSpPr>
@@ -23544,7 +25078,7 @@
       </p:sp>
       <p:pic>
         <p:nvPicPr>
-          <p:cNvPr id="255" name="Google Shape;255;p30"/>
+          <p:cNvPr id="279" name="Google Shape;279;p31"/>
           <p:cNvPicPr preferRelativeResize="0"/>
           <p:nvPr/>
         </p:nvPicPr>
@@ -23582,7 +25116,7 @@
       </p:pic>
       <p:pic>
         <p:nvPicPr>
-          <p:cNvPr id="256" name="Google Shape;256;p30"/>
+          <p:cNvPr id="280" name="Google Shape;280;p31"/>
           <p:cNvPicPr preferRelativeResize="0"/>
           <p:nvPr/>
         </p:nvPicPr>
@@ -23626,12 +25160,12 @@
 </p:sld>
 </file>
 
-<file path=ppt/slides/slide17.xml><?xml version="1.0" encoding="utf-8"?>
+<file path=ppt/slides/slide18.xml><?xml version="1.0" encoding="utf-8"?>
 <p:sld xmlns:a="http://schemas.openxmlformats.org/drawingml/2006/main" xmlns:r="http://schemas.openxmlformats.org/officeDocument/2006/relationships" xmlns:p="http://schemas.openxmlformats.org/presentationml/2006/main">
   <p:cSld>
     <p:spTree>
       <p:nvGrpSpPr>
-        <p:cNvPr id="1" name="Shape 260"/>
+        <p:cNvPr id="1" name="Shape 284"/>
         <p:cNvGrpSpPr/>
         <p:nvPr/>
       </p:nvGrpSpPr>
@@ -23645,7 +25179,7 @@
       </p:grpSpPr>
       <p:pic>
         <p:nvPicPr>
-          <p:cNvPr id="261" name="Google Shape;261;p31"/>
+          <p:cNvPr id="285" name="Google Shape;285;p32"/>
           <p:cNvPicPr preferRelativeResize="0"/>
           <p:nvPr/>
         </p:nvPicPr>
@@ -23677,7 +25211,7 @@
       </p:pic>
       <p:sp>
         <p:nvSpPr>
-          <p:cNvPr id="262" name="Google Shape;262;p31"/>
+          <p:cNvPr id="286" name="Google Shape;286;p32"/>
           <p:cNvSpPr txBox="1"/>
           <p:nvPr/>
         </p:nvSpPr>
@@ -23743,7 +25277,7 @@
       </p:sp>
       <p:sp>
         <p:nvSpPr>
-          <p:cNvPr id="263" name="Google Shape;263;p31"/>
+          <p:cNvPr id="287" name="Google Shape;287;p32"/>
           <p:cNvSpPr txBox="1"/>
           <p:nvPr/>
         </p:nvSpPr>
@@ -24173,7 +25707,7 @@
       </p:sp>
       <p:pic>
         <p:nvPicPr>
-          <p:cNvPr id="264" name="Google Shape;264;p31"/>
+          <p:cNvPr id="288" name="Google Shape;288;p32"/>
           <p:cNvPicPr preferRelativeResize="0"/>
           <p:nvPr/>
         </p:nvPicPr>
@@ -24205,7 +25739,7 @@
       </p:pic>
       <p:sp>
         <p:nvSpPr>
-          <p:cNvPr id="265" name="Google Shape;265;p31"/>
+          <p:cNvPr id="289" name="Google Shape;289;p32"/>
           <p:cNvSpPr txBox="1"/>
           <p:nvPr/>
         </p:nvSpPr>
@@ -24284,7 +25818,7 @@
       </p:sp>
       <p:sp>
         <p:nvSpPr>
-          <p:cNvPr id="266" name="Google Shape;266;p31"/>
+          <p:cNvPr id="290" name="Google Shape;290;p32"/>
           <p:cNvSpPr txBox="1"/>
           <p:nvPr/>
         </p:nvSpPr>
@@ -24356,12 +25890,12 @@
 </p:sld>
 </file>
 
-<file path=ppt/slides/slide18.xml><?xml version="1.0" encoding="utf-8"?>
+<file path=ppt/slides/slide19.xml><?xml version="1.0" encoding="utf-8"?>
 <p:sld xmlns:a="http://schemas.openxmlformats.org/drawingml/2006/main" xmlns:r="http://schemas.openxmlformats.org/officeDocument/2006/relationships" xmlns:p="http://schemas.openxmlformats.org/presentationml/2006/main">
   <p:cSld>
     <p:spTree>
       <p:nvGrpSpPr>
-        <p:cNvPr id="1" name="Shape 270"/>
+        <p:cNvPr id="1" name="Shape 294"/>
         <p:cNvGrpSpPr/>
         <p:nvPr/>
       </p:nvGrpSpPr>
@@ -24375,7 +25909,7 @@
       </p:grpSpPr>
       <p:sp>
         <p:nvSpPr>
-          <p:cNvPr id="271" name="Google Shape;271;p32"/>
+          <p:cNvPr id="295" name="Google Shape;295;p33"/>
           <p:cNvSpPr txBox="1"/>
           <p:nvPr/>
         </p:nvSpPr>
@@ -26295,6 +27829,45 @@
           </a:ln>
         </p:spPr>
       </p:pic>
+      <p:pic>
+        <p:nvPicPr>
+          <p:cNvPr id="92" name="Google Shape;92;p18"/>
+          <p:cNvPicPr preferRelativeResize="0"/>
+          <p:nvPr/>
+        </p:nvPicPr>
+        <p:blipFill>
+          <a:blip r:embed="rId7" cstate="email">
+            <a:alphaModFix/>
+            <a:extLst>
+              <a:ext uri="{28A0092B-C50C-407E-A947-70E740481C1C}">
+                <a14:useLocalDpi xmlns:a14="http://schemas.microsoft.com/office/drawing/2010/main"/>
+              </a:ext>
+            </a:extLst>
+          </a:blip>
+          <a:stretch>
+            <a:fillRect/>
+          </a:stretch>
+        </p:blipFill>
+        <p:spPr>
+          <a:xfrm>
+            <a:off x="5338075" y="3452300"/>
+            <a:ext cx="2874580" cy="1617475"/>
+          </a:xfrm>
+          <a:prstGeom prst="rect">
+            <a:avLst/>
+          </a:prstGeom>
+          <a:noFill/>
+          <a:ln w="9525" cap="flat" cmpd="sng">
+            <a:solidFill>
+              <a:srgbClr val="FF0000"/>
+            </a:solidFill>
+            <a:prstDash val="solid"/>
+            <a:round/>
+            <a:headEnd type="none" w="sm" len="sm"/>
+            <a:tailEnd type="none" w="sm" len="sm"/>
+          </a:ln>
+        </p:spPr>
+      </p:pic>
     </p:spTree>
   </p:cSld>
   <p:clrMapOvr>
@@ -26308,7 +27881,7 @@
   <p:cSld>
     <p:spTree>
       <p:nvGrpSpPr>
-        <p:cNvPr id="1" name="Shape 95"/>
+        <p:cNvPr id="1" name="Shape 96"/>
         <p:cNvGrpSpPr/>
         <p:nvPr/>
       </p:nvGrpSpPr>
@@ -26322,7 +27895,7 @@
       </p:grpSpPr>
       <p:sp>
         <p:nvSpPr>
-          <p:cNvPr id="96" name="Google Shape;96;p19"/>
+          <p:cNvPr id="97" name="Google Shape;97;p19"/>
           <p:cNvSpPr txBox="1"/>
           <p:nvPr/>
         </p:nvSpPr>
@@ -26388,7 +27961,7 @@
       </p:sp>
       <p:sp>
         <p:nvSpPr>
-          <p:cNvPr id="97" name="Google Shape;97;p19"/>
+          <p:cNvPr id="98" name="Google Shape;98;p19"/>
           <p:cNvSpPr txBox="1"/>
           <p:nvPr/>
         </p:nvSpPr>
@@ -26527,7 +28100,7 @@
       </p:sp>
       <p:pic>
         <p:nvPicPr>
-          <p:cNvPr id="98" name="Google Shape;98;p19"/>
+          <p:cNvPr id="99" name="Google Shape;99;p19"/>
           <p:cNvPicPr preferRelativeResize="0"/>
           <p:nvPr/>
         </p:nvPicPr>
@@ -26566,7 +28139,7 @@
       </p:pic>
       <p:sp>
         <p:nvSpPr>
-          <p:cNvPr id="99" name="Google Shape;99;p19"/>
+          <p:cNvPr id="100" name="Google Shape;100;p19"/>
           <p:cNvSpPr txBox="1"/>
           <p:nvPr/>
         </p:nvSpPr>
@@ -27025,7 +28598,7 @@
       </p:sp>
       <p:pic>
         <p:nvPicPr>
-          <p:cNvPr id="100" name="Google Shape;100;p19"/>
+          <p:cNvPr id="101" name="Google Shape;101;p19"/>
           <p:cNvPicPr preferRelativeResize="0"/>
           <p:nvPr/>
         </p:nvPicPr>
@@ -27064,7 +28637,7 @@
       </p:pic>
       <p:sp>
         <p:nvSpPr>
-          <p:cNvPr id="101" name="Google Shape;101;p19"/>
+          <p:cNvPr id="102" name="Google Shape;102;p19"/>
           <p:cNvSpPr txBox="1"/>
           <p:nvPr/>
         </p:nvSpPr>
@@ -27133,7 +28706,7 @@
       </p:sp>
       <p:sp>
         <p:nvSpPr>
-          <p:cNvPr id="102" name="Google Shape;102;p19"/>
+          <p:cNvPr id="103" name="Google Shape;103;p19"/>
           <p:cNvSpPr txBox="1"/>
           <p:nvPr/>
         </p:nvSpPr>
@@ -27202,7 +28775,7 @@
       </p:sp>
       <p:sp>
         <p:nvSpPr>
-          <p:cNvPr id="103" name="Google Shape;103;p19"/>
+          <p:cNvPr id="104" name="Google Shape;104;p19"/>
           <p:cNvSpPr txBox="1"/>
           <p:nvPr/>
         </p:nvSpPr>
@@ -27329,7 +28902,7 @@
       </p:sp>
       <p:sp>
         <p:nvSpPr>
-          <p:cNvPr id="104" name="Google Shape;104;p19"/>
+          <p:cNvPr id="105" name="Google Shape;105;p19"/>
           <p:cNvSpPr txBox="1"/>
           <p:nvPr/>
         </p:nvSpPr>
@@ -27496,7 +29069,7 @@
       </p:sp>
       <p:pic>
         <p:nvPicPr>
-          <p:cNvPr id="105" name="Google Shape;105;p19"/>
+          <p:cNvPr id="106" name="Google Shape;106;p19"/>
           <p:cNvPicPr preferRelativeResize="0"/>
           <p:nvPr/>
         </p:nvPicPr>
@@ -27539,7 +29112,7 @@
   <p:cSld>
     <p:spTree>
       <p:nvGrpSpPr>
-        <p:cNvPr id="1" name="Shape 109"/>
+        <p:cNvPr id="1" name="Shape 110"/>
         <p:cNvGrpSpPr/>
         <p:nvPr/>
       </p:nvGrpSpPr>
@@ -27553,7 +29126,7 @@
       </p:grpSpPr>
       <p:sp>
         <p:nvSpPr>
-          <p:cNvPr id="110" name="Google Shape;110;p20"/>
+          <p:cNvPr id="111" name="Google Shape;111;p20"/>
           <p:cNvSpPr txBox="1"/>
           <p:nvPr/>
         </p:nvSpPr>
@@ -28003,7 +29576,7 @@
       </p:sp>
       <p:pic>
         <p:nvPicPr>
-          <p:cNvPr id="111" name="Google Shape;111;p20"/>
+          <p:cNvPr id="112" name="Google Shape;112;p20"/>
           <p:cNvPicPr preferRelativeResize="0"/>
           <p:nvPr/>
         </p:nvPicPr>
@@ -28052,7 +29625,7 @@
   <p:cSld>
     <p:spTree>
       <p:nvGrpSpPr>
-        <p:cNvPr id="1" name="Shape 115"/>
+        <p:cNvPr id="1" name="Shape 116"/>
         <p:cNvGrpSpPr/>
         <p:nvPr/>
       </p:nvGrpSpPr>
@@ -28066,7 +29639,7 @@
       </p:grpSpPr>
       <p:sp>
         <p:nvSpPr>
-          <p:cNvPr id="116" name="Google Shape;116;p21"/>
+          <p:cNvPr id="117" name="Google Shape;117;p21"/>
           <p:cNvSpPr txBox="1"/>
           <p:nvPr/>
         </p:nvSpPr>
@@ -28132,14 +29705,14 @@
       </p:sp>
       <p:sp>
         <p:nvSpPr>
-          <p:cNvPr id="117" name="Google Shape;117;p21"/>
+          <p:cNvPr id="118" name="Google Shape;118;p21"/>
           <p:cNvSpPr txBox="1"/>
           <p:nvPr/>
         </p:nvSpPr>
         <p:spPr>
           <a:xfrm>
             <a:off x="106275" y="720375"/>
-            <a:ext cx="4962300" cy="2235000"/>
+            <a:ext cx="4962300" cy="2435100"/>
           </a:xfrm>
           <a:prstGeom prst="rect">
             <a:avLst/>
@@ -28430,19 +30003,30 @@
                 <a:cs typeface="Calibri"/>
                 <a:sym typeface="Calibri"/>
               </a:rPr>
-              <a:t>Fidji Simo is a new CEO of Applications at OpenAI</a:t>
-            </a:r>
-            <a:r>
-              <a:rPr lang="en" sz="1300">
-                <a:solidFill>
-                  <a:schemeClr val="dk1"/>
-                </a:solidFill>
-                <a:latin typeface="Calibri"/>
-                <a:ea typeface="Calibri"/>
-                <a:cs typeface="Calibri"/>
-                <a:sym typeface="Calibri"/>
-              </a:rPr>
-              <a:t>, reports to Sam</a:t>
+              <a:t>OpenAI hires Instacart CEO Fidji Simo </a:t>
+            </a:r>
+            <a:br>
+              <a:rPr lang="en" sz="1300" b="1">
+                <a:solidFill>
+                  <a:srgbClr val="3C78D8"/>
+                </a:solidFill>
+                <a:latin typeface="Calibri"/>
+                <a:ea typeface="Calibri"/>
+                <a:cs typeface="Calibri"/>
+                <a:sym typeface="Calibri"/>
+              </a:rPr>
+            </a:br>
+            <a:r>
+              <a:rPr lang="en" sz="1300" b="1">
+                <a:solidFill>
+                  <a:srgbClr val="3C78D8"/>
+                </a:solidFill>
+                <a:latin typeface="Calibri"/>
+                <a:ea typeface="Calibri"/>
+                <a:cs typeface="Calibri"/>
+                <a:sym typeface="Calibri"/>
+              </a:rPr>
+              <a:t>as a new CEO of Applications at OpenAI</a:t>
             </a:r>
             <a:br>
               <a:rPr lang="en" sz="1300">
@@ -28597,7 +30181,7 @@
       </p:sp>
       <p:sp>
         <p:nvSpPr>
-          <p:cNvPr id="118" name="Google Shape;118;p21"/>
+          <p:cNvPr id="119" name="Google Shape;119;p21"/>
           <p:cNvSpPr txBox="1"/>
           <p:nvPr/>
         </p:nvSpPr>
@@ -28740,7 +30324,7 @@
       </p:sp>
       <p:pic>
         <p:nvPicPr>
-          <p:cNvPr id="119" name="Google Shape;119;p21"/>
+          <p:cNvPr id="120" name="Google Shape;120;p21"/>
           <p:cNvPicPr preferRelativeResize="0"/>
           <p:nvPr/>
         </p:nvPicPr>
@@ -28779,7 +30363,7 @@
       </p:pic>
       <p:pic>
         <p:nvPicPr>
-          <p:cNvPr id="120" name="Google Shape;120;p21"/>
+          <p:cNvPr id="121" name="Google Shape;121;p21"/>
           <p:cNvPicPr preferRelativeResize="0"/>
           <p:nvPr/>
         </p:nvPicPr>
@@ -28829,7 +30413,7 @@
   <p:cSld>
     <p:spTree>
       <p:nvGrpSpPr>
-        <p:cNvPr id="1" name="Shape 124"/>
+        <p:cNvPr id="1" name="Shape 125"/>
         <p:cNvGrpSpPr/>
         <p:nvPr/>
       </p:nvGrpSpPr>
@@ -28843,7 +30427,7 @@
       </p:grpSpPr>
       <p:sp>
         <p:nvSpPr>
-          <p:cNvPr id="125" name="Google Shape;125;p22"/>
+          <p:cNvPr id="126" name="Google Shape;126;p22"/>
           <p:cNvSpPr txBox="1"/>
           <p:nvPr/>
         </p:nvSpPr>
@@ -28909,7 +30493,7 @@
       </p:sp>
       <p:sp>
         <p:nvSpPr>
-          <p:cNvPr id="126" name="Google Shape;126;p22"/>
+          <p:cNvPr id="127" name="Google Shape;127;p22"/>
           <p:cNvSpPr txBox="1"/>
           <p:nvPr/>
         </p:nvSpPr>
@@ -29021,7 +30605,7 @@
       </p:sp>
       <p:sp>
         <p:nvSpPr>
-          <p:cNvPr id="127" name="Google Shape;127;p22"/>
+          <p:cNvPr id="128" name="Google Shape;128;p22"/>
           <p:cNvSpPr txBox="1"/>
           <p:nvPr/>
         </p:nvSpPr>
@@ -29170,7 +30754,7 @@
       </p:sp>
       <p:sp>
         <p:nvSpPr>
-          <p:cNvPr id="128" name="Google Shape;128;p22"/>
+          <p:cNvPr id="129" name="Google Shape;129;p22"/>
           <p:cNvSpPr txBox="1"/>
           <p:nvPr/>
         </p:nvSpPr>
@@ -29228,7 +30812,7 @@
                 <a:cs typeface="Calibri"/>
                 <a:sym typeface="Calibri"/>
               </a:rPr>
-              <a:t>Anthropic $90/mo 'Max" plan</a:t>
+              <a:t>Anthropic $100/mo 'Max" plan</a:t>
             </a:r>
             <a:endParaRPr sz="1200" b="1">
               <a:solidFill>
@@ -29317,420 +30901,14 @@
           </a:p>
         </p:txBody>
       </p:sp>
-    </p:spTree>
-  </p:cSld>
-  <p:clrMapOvr>
-    <a:masterClrMapping/>
-  </p:clrMapOvr>
-</p:sld>
-</file>
-
-<file path=ppt/slides/slide9.xml><?xml version="1.0" encoding="utf-8"?>
-<p:sld xmlns:a="http://schemas.openxmlformats.org/drawingml/2006/main" xmlns:r="http://schemas.openxmlformats.org/officeDocument/2006/relationships" xmlns:p="http://schemas.openxmlformats.org/presentationml/2006/main">
-  <p:cSld>
-    <p:spTree>
-      <p:nvGrpSpPr>
-        <p:cNvPr id="1" name="Shape 132"/>
-        <p:cNvGrpSpPr/>
-        <p:nvPr/>
-      </p:nvGrpSpPr>
-      <p:grpSpPr>
-        <a:xfrm>
-          <a:off x="0" y="0"/>
-          <a:ext cx="0" cy="0"/>
-          <a:chOff x="0" y="0"/>
-          <a:chExt cx="0" cy="0"/>
-        </a:xfrm>
-      </p:grpSpPr>
-      <p:sp>
-        <p:nvSpPr>
-          <p:cNvPr id="133" name="Google Shape;133;p23"/>
-          <p:cNvSpPr txBox="1"/>
-          <p:nvPr/>
-        </p:nvSpPr>
-        <p:spPr>
-          <a:xfrm>
-            <a:off x="55075" y="52750"/>
-            <a:ext cx="2469300" cy="326400"/>
-          </a:xfrm>
-          <a:prstGeom prst="rect">
-            <a:avLst/>
-          </a:prstGeom>
-          <a:noFill/>
-          <a:ln>
-            <a:noFill/>
-          </a:ln>
-        </p:spPr>
-        <p:txBody>
-          <a:bodyPr spcFirstLastPara="1" wrap="square" lIns="9125" tIns="9125" rIns="9125" bIns="9125" anchor="t" anchorCtr="0">
-            <a:spAutoFit/>
-          </a:bodyPr>
-          <a:lstStyle/>
-          <a:p>
-            <a:pPr marL="0" marR="0" lvl="0" indent="0" algn="l" rtl="0">
-              <a:lnSpc>
-                <a:spcPct val="100000"/>
-              </a:lnSpc>
-              <a:spcBef>
-                <a:spcPts val="0"/>
-              </a:spcBef>
-              <a:spcAft>
-                <a:spcPts val="0"/>
-              </a:spcAft>
-              <a:buClr>
-                <a:schemeClr val="dk1"/>
-              </a:buClr>
-              <a:buSzPts val="1100"/>
-              <a:buFont typeface="Arial"/>
-              <a:buNone/>
-            </a:pPr>
-            <a:r>
-              <a:rPr lang="en" sz="2000" b="1">
-                <a:solidFill>
-                  <a:schemeClr val="dk1"/>
-                </a:solidFill>
-                <a:latin typeface="Calibri"/>
-                <a:ea typeface="Calibri"/>
-                <a:cs typeface="Calibri"/>
-                <a:sym typeface="Calibri"/>
-              </a:rPr>
-              <a:t>AI Updates - 3</a:t>
-            </a:r>
-            <a:endParaRPr sz="2000" b="1" i="0" u="none" strike="noStrike" cap="none">
-              <a:solidFill>
-                <a:schemeClr val="dk1"/>
-              </a:solidFill>
-              <a:latin typeface="Calibri"/>
-              <a:ea typeface="Calibri"/>
-              <a:cs typeface="Calibri"/>
-              <a:sym typeface="Calibri"/>
-            </a:endParaRPr>
-          </a:p>
-        </p:txBody>
-      </p:sp>
-      <p:sp>
-        <p:nvSpPr>
-          <p:cNvPr id="134" name="Google Shape;134;p23"/>
-          <p:cNvSpPr txBox="1"/>
-          <p:nvPr/>
-        </p:nvSpPr>
-        <p:spPr>
-          <a:xfrm>
-            <a:off x="55075" y="413500"/>
-            <a:ext cx="4452000" cy="1865400"/>
-          </a:xfrm>
-          <a:prstGeom prst="rect">
-            <a:avLst/>
-          </a:prstGeom>
-          <a:solidFill>
-            <a:srgbClr val="FFF2CC"/>
-          </a:solidFill>
-          <a:ln w="9525" cap="flat" cmpd="sng">
-            <a:solidFill>
-              <a:srgbClr val="FF0000"/>
-            </a:solidFill>
-            <a:prstDash val="solid"/>
-            <a:round/>
-            <a:headEnd type="none" w="sm" len="sm"/>
-            <a:tailEnd type="none" w="sm" len="sm"/>
-          </a:ln>
-        </p:spPr>
-        <p:txBody>
-          <a:bodyPr spcFirstLastPara="1" wrap="square" lIns="9125" tIns="9125" rIns="9125" bIns="9125" anchor="t" anchorCtr="0">
-            <a:spAutoFit/>
-          </a:bodyPr>
-          <a:lstStyle/>
-          <a:p>
-            <a:pPr marL="171450" marR="0" lvl="0" indent="-133350" algn="l" rtl="0">
-              <a:lnSpc>
-                <a:spcPct val="100000"/>
-              </a:lnSpc>
-              <a:spcBef>
-                <a:spcPts val="0"/>
-              </a:spcBef>
-              <a:spcAft>
-                <a:spcPts val="0"/>
-              </a:spcAft>
-              <a:buSzPts val="1200"/>
-              <a:buFont typeface="Calibri"/>
-              <a:buChar char="●"/>
-            </a:pPr>
-            <a:r>
-              <a:rPr lang="en" sz="1200" b="1">
-                <a:solidFill>
-                  <a:srgbClr val="FF0000"/>
-                </a:solidFill>
-                <a:latin typeface="Calibri"/>
-                <a:ea typeface="Calibri"/>
-                <a:cs typeface="Calibri"/>
-                <a:sym typeface="Calibri"/>
-              </a:rPr>
-              <a:t>FutureHouse - 4 agents: Crow, Falcon, Owl, Phoenix</a:t>
-            </a:r>
-            <a:endParaRPr sz="1200" b="1">
-              <a:solidFill>
-                <a:srgbClr val="FF0000"/>
-              </a:solidFill>
-              <a:latin typeface="Calibri"/>
-              <a:ea typeface="Calibri"/>
-              <a:cs typeface="Calibri"/>
-              <a:sym typeface="Calibri"/>
-            </a:endParaRPr>
-          </a:p>
-          <a:p>
-            <a:pPr marL="171450" marR="0" lvl="0" indent="-133350" algn="l" rtl="0">
-              <a:lnSpc>
-                <a:spcPct val="100000"/>
-              </a:lnSpc>
-              <a:spcBef>
-                <a:spcPts val="0"/>
-              </a:spcBef>
-              <a:spcAft>
-                <a:spcPts val="0"/>
-              </a:spcAft>
-              <a:buClr>
-                <a:schemeClr val="dk1"/>
-              </a:buClr>
-              <a:buSzPts val="1200"/>
-              <a:buFont typeface="Calibri"/>
-              <a:buChar char="●"/>
-            </a:pPr>
-            <a:r>
-              <a:rPr lang="en" sz="1200">
-                <a:solidFill>
-                  <a:schemeClr val="dk1"/>
-                </a:solidFill>
-                <a:latin typeface="Calibri"/>
-                <a:ea typeface="Calibri"/>
-                <a:cs typeface="Calibri"/>
-                <a:sym typeface="Calibri"/>
-              </a:rPr>
-              <a:t>Open, Free</a:t>
-            </a:r>
-            <a:endParaRPr sz="1200">
-              <a:solidFill>
-                <a:schemeClr val="dk1"/>
-              </a:solidFill>
-              <a:latin typeface="Calibri"/>
-              <a:ea typeface="Calibri"/>
-              <a:cs typeface="Calibri"/>
-              <a:sym typeface="Calibri"/>
-            </a:endParaRPr>
-          </a:p>
-          <a:p>
-            <a:pPr marL="171450" marR="0" lvl="0" indent="-133350" algn="l" rtl="0">
-              <a:lnSpc>
-                <a:spcPct val="100000"/>
-              </a:lnSpc>
-              <a:spcBef>
-                <a:spcPts val="0"/>
-              </a:spcBef>
-              <a:spcAft>
-                <a:spcPts val="0"/>
-              </a:spcAft>
-              <a:buClr>
-                <a:schemeClr val="dk1"/>
-              </a:buClr>
-              <a:buSzPts val="1200"/>
-              <a:buFont typeface="Calibri"/>
-              <a:buChar char="●"/>
-            </a:pPr>
-            <a:r>
-              <a:rPr lang="en" sz="1200">
-                <a:solidFill>
-                  <a:schemeClr val="dk1"/>
-                </a:solidFill>
-                <a:latin typeface="Calibri"/>
-                <a:ea typeface="Calibri"/>
-                <a:cs typeface="Calibri"/>
-                <a:sym typeface="Calibri"/>
-              </a:rPr>
-              <a:t>Backed by Google’s former CEO Eric Schmidt</a:t>
-            </a:r>
-            <a:endParaRPr sz="1200">
-              <a:solidFill>
-                <a:schemeClr val="dk1"/>
-              </a:solidFill>
-              <a:latin typeface="Calibri"/>
-              <a:ea typeface="Calibri"/>
-              <a:cs typeface="Calibri"/>
-              <a:sym typeface="Calibri"/>
-            </a:endParaRPr>
-          </a:p>
-          <a:p>
-            <a:pPr marL="171450" marR="0" lvl="0" indent="-133350" algn="l" rtl="0">
-              <a:lnSpc>
-                <a:spcPct val="100000"/>
-              </a:lnSpc>
-              <a:spcBef>
-                <a:spcPts val="0"/>
-              </a:spcBef>
-              <a:spcAft>
-                <a:spcPts val="0"/>
-              </a:spcAft>
-              <a:buClr>
-                <a:schemeClr val="dk1"/>
-              </a:buClr>
-              <a:buSzPts val="1200"/>
-              <a:buFont typeface="Calibri"/>
-              <a:buChar char="●"/>
-            </a:pPr>
-            <a:r>
-              <a:rPr lang="en" sz="1200">
-                <a:solidFill>
-                  <a:schemeClr val="dk1"/>
-                </a:solidFill>
-                <a:latin typeface="Calibri"/>
-                <a:ea typeface="Calibri"/>
-                <a:cs typeface="Calibri"/>
-                <a:sym typeface="Calibri"/>
-              </a:rPr>
-              <a:t>agents are built specifically for scientific research</a:t>
-            </a:r>
-            <a:endParaRPr sz="1200">
-              <a:solidFill>
-                <a:schemeClr val="dk1"/>
-              </a:solidFill>
-              <a:latin typeface="Calibri"/>
-              <a:ea typeface="Calibri"/>
-              <a:cs typeface="Calibri"/>
-              <a:sym typeface="Calibri"/>
-            </a:endParaRPr>
-          </a:p>
-          <a:p>
-            <a:pPr marL="171450" marR="0" lvl="0" indent="-133350" algn="l" rtl="0">
-              <a:lnSpc>
-                <a:spcPct val="100000"/>
-              </a:lnSpc>
-              <a:spcBef>
-                <a:spcPts val="0"/>
-              </a:spcBef>
-              <a:spcAft>
-                <a:spcPts val="0"/>
-              </a:spcAft>
-              <a:buClr>
-                <a:schemeClr val="dk1"/>
-              </a:buClr>
-              <a:buSzPts val="1200"/>
-              <a:buFont typeface="Calibri"/>
-              <a:buChar char="●"/>
-            </a:pPr>
-            <a:r>
-              <a:rPr lang="en" sz="1200">
-                <a:solidFill>
-                  <a:schemeClr val="dk1"/>
-                </a:solidFill>
-                <a:latin typeface="Calibri"/>
-                <a:ea typeface="Calibri"/>
-                <a:cs typeface="Calibri"/>
-                <a:sym typeface="Calibri"/>
-              </a:rPr>
-              <a:t>Analyze millions of research papers, design new drug compounds, identify research gaps, and dramatically speed up discovery processes</a:t>
-            </a:r>
-            <a:endParaRPr sz="1200">
-              <a:solidFill>
-                <a:schemeClr val="dk1"/>
-              </a:solidFill>
-              <a:latin typeface="Calibri"/>
-              <a:ea typeface="Calibri"/>
-              <a:cs typeface="Calibri"/>
-              <a:sym typeface="Calibri"/>
-            </a:endParaRPr>
-          </a:p>
-          <a:p>
-            <a:pPr marL="171450" marR="0" lvl="0" indent="-133350" algn="l" rtl="0">
-              <a:lnSpc>
-                <a:spcPct val="100000"/>
-              </a:lnSpc>
-              <a:spcBef>
-                <a:spcPts val="0"/>
-              </a:spcBef>
-              <a:spcAft>
-                <a:spcPts val="0"/>
-              </a:spcAft>
-              <a:buClr>
-                <a:schemeClr val="dk1"/>
-              </a:buClr>
-              <a:buSzPts val="1200"/>
-              <a:buFont typeface="Calibri"/>
-              <a:buChar char="●"/>
-            </a:pPr>
-            <a:r>
-              <a:rPr lang="en" sz="1200">
-                <a:solidFill>
-                  <a:schemeClr val="dk1"/>
-                </a:solidFill>
-                <a:latin typeface="Calibri"/>
-                <a:ea typeface="Calibri"/>
-                <a:cs typeface="Calibri"/>
-                <a:sym typeface="Calibri"/>
-              </a:rPr>
-              <a:t>Transparent reasoning, real-time data integration, and lab testing support</a:t>
-            </a:r>
-            <a:endParaRPr sz="1200">
-              <a:solidFill>
-                <a:schemeClr val="dk1"/>
-              </a:solidFill>
-              <a:latin typeface="Calibri"/>
-              <a:ea typeface="Calibri"/>
-              <a:cs typeface="Calibri"/>
-              <a:sym typeface="Calibri"/>
-            </a:endParaRPr>
-          </a:p>
-          <a:p>
-            <a:pPr marL="171450" marR="0" lvl="0" indent="-133350" algn="l" rtl="0">
-              <a:lnSpc>
-                <a:spcPct val="100000"/>
-              </a:lnSpc>
-              <a:spcBef>
-                <a:spcPts val="0"/>
-              </a:spcBef>
-              <a:spcAft>
-                <a:spcPts val="0"/>
-              </a:spcAft>
-              <a:buSzPts val="1200"/>
-              <a:buFont typeface="Calibri"/>
-              <a:buChar char="●"/>
-            </a:pPr>
-            <a:r>
-              <a:rPr lang="en" sz="1200" u="sng">
-                <a:solidFill>
-                  <a:schemeClr val="hlink"/>
-                </a:solidFill>
-                <a:latin typeface="Calibri"/>
-                <a:ea typeface="Calibri"/>
-                <a:cs typeface="Calibri"/>
-                <a:sym typeface="Calibri"/>
-                <a:hlinkClick r:id="rId3"/>
-              </a:rPr>
-              <a:t>https://www.youtube.com/watch?v=4clyIcphEvU</a:t>
-            </a:r>
-            <a:r>
-              <a:rPr lang="en" sz="1200">
-                <a:latin typeface="Calibri"/>
-                <a:ea typeface="Calibri"/>
-                <a:cs typeface="Calibri"/>
-                <a:sym typeface="Calibri"/>
-              </a:rPr>
-              <a:t> </a:t>
-            </a:r>
-            <a:endParaRPr sz="1200">
-              <a:latin typeface="Calibri"/>
-              <a:ea typeface="Calibri"/>
-              <a:cs typeface="Calibri"/>
-              <a:sym typeface="Calibri"/>
-            </a:endParaRPr>
-          </a:p>
-        </p:txBody>
-      </p:sp>
       <p:pic>
         <p:nvPicPr>
-          <p:cNvPr id="135" name="Google Shape;135;p23"/>
+          <p:cNvPr id="130" name="Google Shape;130;p22"/>
           <p:cNvPicPr preferRelativeResize="0"/>
           <p:nvPr/>
         </p:nvPicPr>
         <p:blipFill>
-          <a:blip r:embed="rId4" cstate="email">
+          <a:blip r:embed="rId6" cstate="email">
             <a:alphaModFix/>
             <a:extLst>
               <a:ext uri="{28A0092B-C50C-407E-A947-70E740481C1C}">
@@ -29744,8 +30922,8 @@
         </p:blipFill>
         <p:spPr>
           <a:xfrm>
-            <a:off x="4664126" y="745263"/>
-            <a:ext cx="1642825" cy="1506676"/>
+            <a:off x="5079550" y="123450"/>
+            <a:ext cx="3889625" cy="1215500"/>
           </a:xfrm>
           <a:prstGeom prst="rect">
             <a:avLst/>
@@ -29764,12 +30942,12 @@
       </p:pic>
       <p:pic>
         <p:nvPicPr>
-          <p:cNvPr id="136" name="Google Shape;136;p23"/>
+          <p:cNvPr id="131" name="Google Shape;131;p22"/>
           <p:cNvPicPr preferRelativeResize="0"/>
           <p:nvPr/>
         </p:nvPicPr>
         <p:blipFill>
-          <a:blip r:embed="rId5" cstate="email">
+          <a:blip r:embed="rId7" cstate="email">
             <a:alphaModFix/>
             <a:extLst>
               <a:ext uri="{28A0092B-C50C-407E-A947-70E740481C1C}">
@@ -29783,8 +30961,47 @@
         </p:blipFill>
         <p:spPr>
           <a:xfrm>
-            <a:off x="6553025" y="1242025"/>
-            <a:ext cx="1775025" cy="513150"/>
+            <a:off x="5079550" y="1531200"/>
+            <a:ext cx="3889624" cy="850850"/>
+          </a:xfrm>
+          <a:prstGeom prst="rect">
+            <a:avLst/>
+          </a:prstGeom>
+          <a:noFill/>
+          <a:ln w="9525" cap="flat" cmpd="sng">
+            <a:solidFill>
+              <a:srgbClr val="FF0000"/>
+            </a:solidFill>
+            <a:prstDash val="solid"/>
+            <a:round/>
+            <a:headEnd type="none" w="sm" len="sm"/>
+            <a:tailEnd type="none" w="sm" len="sm"/>
+          </a:ln>
+        </p:spPr>
+      </p:pic>
+      <p:pic>
+        <p:nvPicPr>
+          <p:cNvPr id="132" name="Google Shape;132;p22"/>
+          <p:cNvPicPr preferRelativeResize="0"/>
+          <p:nvPr/>
+        </p:nvPicPr>
+        <p:blipFill>
+          <a:blip r:embed="rId8" cstate="email">
+            <a:alphaModFix/>
+            <a:extLst>
+              <a:ext uri="{28A0092B-C50C-407E-A947-70E740481C1C}">
+                <a14:useLocalDpi xmlns:a14="http://schemas.microsoft.com/office/drawing/2010/main"/>
+              </a:ext>
+            </a:extLst>
+          </a:blip>
+          <a:stretch>
+            <a:fillRect/>
+          </a:stretch>
+        </p:blipFill>
+        <p:spPr>
+          <a:xfrm>
+            <a:off x="5389338" y="2574300"/>
+            <a:ext cx="3270049" cy="1153350"/>
           </a:xfrm>
           <a:prstGeom prst="rect">
             <a:avLst/>
@@ -29803,13 +31020,13 @@
       </p:pic>
       <p:sp>
         <p:nvSpPr>
-          <p:cNvPr id="137" name="Google Shape;137;p23"/>
+          <p:cNvPr id="133" name="Google Shape;133;p22"/>
           <p:cNvSpPr txBox="1"/>
           <p:nvPr/>
         </p:nvSpPr>
         <p:spPr>
           <a:xfrm>
-            <a:off x="55075" y="2350125"/>
+            <a:off x="55075" y="2576625"/>
             <a:ext cx="4452000" cy="572700"/>
           </a:xfrm>
           <a:prstGeom prst="rect">
@@ -29845,7 +31062,7 @@
                 <a:spcPts val="0"/>
               </a:spcAft>
               <a:buClr>
-                <a:schemeClr val="dk1"/>
+                <a:srgbClr val="FF0000"/>
               </a:buClr>
               <a:buSzPts val="1200"/>
               <a:buFont typeface="Calibri"/>
@@ -29861,11 +31078,11 @@
                 <a:cs typeface="Calibri"/>
                 <a:sym typeface="Calibri"/>
               </a:rPr>
-              <a:t>Cursor vs VSCode for Vibe Coding</a:t>
-            </a:r>
-            <a:endParaRPr sz="1200">
+              <a:t>Anthropic API supports web search</a:t>
+            </a:r>
+            <a:endParaRPr sz="1200" b="1">
               <a:solidFill>
-                <a:schemeClr val="dk1"/>
+                <a:srgbClr val="FF0000"/>
               </a:solidFill>
               <a:latin typeface="Calibri"/>
               <a:ea typeface="Calibri"/>
@@ -29884,15 +31101,193 @@
               <a:spcAft>
                 <a:spcPts val="0"/>
               </a:spcAft>
-              <a:buClr>
-                <a:schemeClr val="dk1"/>
-              </a:buClr>
               <a:buSzPts val="1200"/>
               <a:buFont typeface="Calibri"/>
               <a:buChar char="●"/>
             </a:pPr>
             <a:r>
+              <a:rPr lang="en" sz="1200" u="sng">
+                <a:solidFill>
+                  <a:schemeClr val="hlink"/>
+                </a:solidFill>
+                <a:latin typeface="Calibri"/>
+                <a:ea typeface="Calibri"/>
+                <a:cs typeface="Calibri"/>
+                <a:sym typeface="Calibri"/>
+                <a:hlinkClick r:id="rId9"/>
+              </a:rPr>
+              <a:t>https://www.anthropic.com/news/web-search-api</a:t>
+            </a:r>
+            <a:r>
               <a:rPr lang="en" sz="1200">
+                <a:latin typeface="Calibri"/>
+                <a:ea typeface="Calibri"/>
+                <a:cs typeface="Calibri"/>
+                <a:sym typeface="Calibri"/>
+              </a:rPr>
+              <a:t> </a:t>
+            </a:r>
+            <a:endParaRPr sz="1200">
+              <a:latin typeface="Calibri"/>
+              <a:ea typeface="Calibri"/>
+              <a:cs typeface="Calibri"/>
+              <a:sym typeface="Calibri"/>
+            </a:endParaRPr>
+          </a:p>
+          <a:p>
+            <a:pPr marL="171450" marR="0" lvl="0" indent="-133350" algn="l" rtl="0">
+              <a:lnSpc>
+                <a:spcPct val="100000"/>
+              </a:lnSpc>
+              <a:spcBef>
+                <a:spcPts val="0"/>
+              </a:spcBef>
+              <a:spcAft>
+                <a:spcPts val="0"/>
+              </a:spcAft>
+              <a:buSzPts val="1200"/>
+              <a:buFont typeface="Calibri"/>
+              <a:buChar char="●"/>
+            </a:pPr>
+            <a:r>
+              <a:rPr lang="en" sz="1200" u="sng">
+                <a:solidFill>
+                  <a:schemeClr val="hlink"/>
+                </a:solidFill>
+                <a:latin typeface="Calibri"/>
+                <a:ea typeface="Calibri"/>
+                <a:cs typeface="Calibri"/>
+                <a:sym typeface="Calibri"/>
+                <a:hlinkClick r:id="rId10"/>
+              </a:rPr>
+              <a:t>https://www.youtube.com/watch?v=2Qx4i3pV81M</a:t>
+            </a:r>
+            <a:r>
+              <a:rPr lang="en" sz="1200">
+                <a:latin typeface="Calibri"/>
+                <a:ea typeface="Calibri"/>
+                <a:cs typeface="Calibri"/>
+                <a:sym typeface="Calibri"/>
+              </a:rPr>
+              <a:t> </a:t>
+            </a:r>
+            <a:endParaRPr sz="1200">
+              <a:latin typeface="Calibri"/>
+              <a:ea typeface="Calibri"/>
+              <a:cs typeface="Calibri"/>
+              <a:sym typeface="Calibri"/>
+            </a:endParaRPr>
+          </a:p>
+        </p:txBody>
+      </p:sp>
+      <p:pic>
+        <p:nvPicPr>
+          <p:cNvPr id="134" name="Google Shape;134;p22"/>
+          <p:cNvPicPr preferRelativeResize="0"/>
+          <p:nvPr/>
+        </p:nvPicPr>
+        <p:blipFill>
+          <a:blip r:embed="rId11" cstate="email">
+            <a:alphaModFix/>
+            <a:extLst>
+              <a:ext uri="{28A0092B-C50C-407E-A947-70E740481C1C}">
+                <a14:useLocalDpi xmlns:a14="http://schemas.microsoft.com/office/drawing/2010/main"/>
+              </a:ext>
+            </a:extLst>
+          </a:blip>
+          <a:stretch>
+            <a:fillRect/>
+          </a:stretch>
+        </p:blipFill>
+        <p:spPr>
+          <a:xfrm>
+            <a:off x="2259875" y="3291950"/>
+            <a:ext cx="2949702" cy="1689375"/>
+          </a:xfrm>
+          <a:prstGeom prst="rect">
+            <a:avLst/>
+          </a:prstGeom>
+          <a:noFill/>
+          <a:ln w="9525" cap="flat" cmpd="sng">
+            <a:solidFill>
+              <a:srgbClr val="FF0000"/>
+            </a:solidFill>
+            <a:prstDash val="solid"/>
+            <a:round/>
+            <a:headEnd type="none" w="sm" len="sm"/>
+            <a:tailEnd type="none" w="sm" len="sm"/>
+          </a:ln>
+        </p:spPr>
+      </p:pic>
+    </p:spTree>
+  </p:cSld>
+  <p:clrMapOvr>
+    <a:masterClrMapping/>
+  </p:clrMapOvr>
+</p:sld>
+</file>
+
+<file path=ppt/slides/slide9.xml><?xml version="1.0" encoding="utf-8"?>
+<p:sld xmlns:a="http://schemas.openxmlformats.org/drawingml/2006/main" xmlns:r="http://schemas.openxmlformats.org/officeDocument/2006/relationships" xmlns:p="http://schemas.openxmlformats.org/presentationml/2006/main">
+  <p:cSld>
+    <p:spTree>
+      <p:nvGrpSpPr>
+        <p:cNvPr id="1" name="Shape 138"/>
+        <p:cNvGrpSpPr/>
+        <p:nvPr/>
+      </p:nvGrpSpPr>
+      <p:grpSpPr>
+        <a:xfrm>
+          <a:off x="0" y="0"/>
+          <a:ext cx="0" cy="0"/>
+          <a:chOff x="0" y="0"/>
+          <a:chExt cx="0" cy="0"/>
+        </a:xfrm>
+      </p:grpSpPr>
+      <p:sp>
+        <p:nvSpPr>
+          <p:cNvPr id="139" name="Google Shape;139;p23"/>
+          <p:cNvSpPr txBox="1"/>
+          <p:nvPr/>
+        </p:nvSpPr>
+        <p:spPr>
+          <a:xfrm>
+            <a:off x="55075" y="52750"/>
+            <a:ext cx="2469300" cy="326400"/>
+          </a:xfrm>
+          <a:prstGeom prst="rect">
+            <a:avLst/>
+          </a:prstGeom>
+          <a:noFill/>
+          <a:ln>
+            <a:noFill/>
+          </a:ln>
+        </p:spPr>
+        <p:txBody>
+          <a:bodyPr spcFirstLastPara="1" wrap="square" lIns="9125" tIns="9125" rIns="9125" bIns="9125" anchor="t" anchorCtr="0">
+            <a:spAutoFit/>
+          </a:bodyPr>
+          <a:lstStyle/>
+          <a:p>
+            <a:pPr marL="0" marR="0" lvl="0" indent="0" algn="l" rtl="0">
+              <a:lnSpc>
+                <a:spcPct val="100000"/>
+              </a:lnSpc>
+              <a:spcBef>
+                <a:spcPts val="0"/>
+              </a:spcBef>
+              <a:spcAft>
+                <a:spcPts val="0"/>
+              </a:spcAft>
+              <a:buClr>
+                <a:schemeClr val="dk1"/>
+              </a:buClr>
+              <a:buSzPts val="1100"/>
+              <a:buFont typeface="Arial"/>
+              <a:buNone/>
+            </a:pPr>
+            <a:r>
+              <a:rPr lang="en" sz="2000" b="1">
                 <a:solidFill>
                   <a:schemeClr val="dk1"/>
                 </a:solidFill>
@@ -29901,9 +31296,9 @@
                 <a:cs typeface="Calibri"/>
                 <a:sym typeface="Calibri"/>
               </a:rPr>
-              <a:t>xxxx</a:t>
-            </a:r>
-            <a:endParaRPr sz="1200">
+              <a:t>Cursor vs VSCode</a:t>
+            </a:r>
+            <a:endParaRPr sz="2000" b="1" i="0" u="none" strike="noStrike" cap="none">
               <a:solidFill>
                 <a:schemeClr val="dk1"/>
               </a:solidFill>
@@ -29913,68 +31308,18 @@
               <a:sym typeface="Calibri"/>
             </a:endParaRPr>
           </a:p>
-          <a:p>
-            <a:pPr marL="171450" marR="0" lvl="0" indent="-133350" algn="l" rtl="0">
-              <a:lnSpc>
-                <a:spcPct val="100000"/>
-              </a:lnSpc>
-              <a:spcBef>
-                <a:spcPts val="0"/>
-              </a:spcBef>
-              <a:spcAft>
-                <a:spcPts val="0"/>
-              </a:spcAft>
-              <a:buClr>
-                <a:schemeClr val="dk1"/>
-              </a:buClr>
-              <a:buSzPts val="1200"/>
-              <a:buFont typeface="Calibri"/>
-              <a:buChar char="●"/>
-            </a:pPr>
-            <a:r>
-              <a:rPr lang="en" sz="1200" u="sng">
-                <a:solidFill>
-                  <a:schemeClr val="hlink"/>
-                </a:solidFill>
-                <a:latin typeface="Calibri"/>
-                <a:ea typeface="Calibri"/>
-                <a:cs typeface="Calibri"/>
-                <a:sym typeface="Calibri"/>
-                <a:hlinkClick r:id="rId6"/>
-              </a:rPr>
-              <a:t>https://techpoint.africa/guide/cursor-vs-vscode-vibe-coding-review/</a:t>
-            </a:r>
-            <a:r>
-              <a:rPr lang="en" sz="1200">
-                <a:solidFill>
-                  <a:schemeClr val="dk1"/>
-                </a:solidFill>
-                <a:latin typeface="Calibri"/>
-                <a:ea typeface="Calibri"/>
-                <a:cs typeface="Calibri"/>
-                <a:sym typeface="Calibri"/>
-              </a:rPr>
-              <a:t> </a:t>
-            </a:r>
-            <a:endParaRPr sz="1200">
-              <a:latin typeface="Calibri"/>
-              <a:ea typeface="Calibri"/>
-              <a:cs typeface="Calibri"/>
-              <a:sym typeface="Calibri"/>
-            </a:endParaRPr>
-          </a:p>
         </p:txBody>
       </p:sp>
       <p:sp>
         <p:nvSpPr>
-          <p:cNvPr id="138" name="Google Shape;138;p23"/>
+          <p:cNvPr id="140" name="Google Shape;140;p23"/>
           <p:cNvSpPr txBox="1"/>
           <p:nvPr/>
         </p:nvSpPr>
         <p:spPr>
           <a:xfrm>
-            <a:off x="55075" y="2994050"/>
-            <a:ext cx="4452000" cy="942000"/>
+            <a:off x="55075" y="607750"/>
+            <a:ext cx="4452000" cy="2050200"/>
           </a:xfrm>
           <a:prstGeom prst="rect">
             <a:avLst/>
@@ -29998,22 +31343,17 @@
           </a:bodyPr>
           <a:lstStyle/>
           <a:p>
-            <a:pPr marL="171450" marR="0" lvl="0" indent="-133350" algn="l" rtl="0">
-              <a:lnSpc>
-                <a:spcPct val="100000"/>
-              </a:lnSpc>
-              <a:spcBef>
-                <a:spcPts val="0"/>
-              </a:spcBef>
-              <a:spcAft>
-                <a:spcPts val="0"/>
-              </a:spcAft>
-              <a:buClr>
-                <a:schemeClr val="dk1"/>
-              </a:buClr>
-              <a:buSzPts val="1200"/>
-              <a:buFont typeface="Calibri"/>
-              <a:buChar char="●"/>
+            <a:pPr marL="0" marR="0" lvl="0" indent="0" algn="l" rtl="0">
+              <a:lnSpc>
+                <a:spcPct val="100000"/>
+              </a:lnSpc>
+              <a:spcBef>
+                <a:spcPts val="0"/>
+              </a:spcBef>
+              <a:spcAft>
+                <a:spcPts val="0"/>
+              </a:spcAft>
+              <a:buNone/>
             </a:pPr>
             <a:r>
               <a:rPr lang="en" sz="1200" b="1">
@@ -30025,7 +31365,7 @@
                 <a:cs typeface="Calibri"/>
                 <a:sym typeface="Calibri"/>
               </a:rPr>
-              <a:t>Zed, Tabby, Void Editors - open source</a:t>
+              <a:t>Cursor:</a:t>
             </a:r>
             <a:endParaRPr sz="1200" b="1">
               <a:solidFill>
@@ -30056,19 +31396,6 @@
               <a:buChar char="●"/>
             </a:pPr>
             <a:r>
-              <a:rPr lang="en" sz="1200" u="sng">
-                <a:solidFill>
-                  <a:schemeClr val="hlink"/>
-                </a:solidFill>
-                <a:latin typeface="Calibri"/>
-                <a:ea typeface="Calibri"/>
-                <a:cs typeface="Calibri"/>
-                <a:sym typeface="Calibri"/>
-                <a:hlinkClick r:id="rId7"/>
-              </a:rPr>
-              <a:t>https://www.youtube.com/watch?v=d0rPK0dJn1A</a:t>
-            </a:r>
-            <a:r>
               <a:rPr lang="en" sz="1200">
                 <a:solidFill>
                   <a:schemeClr val="dk1"/>
@@ -30078,7 +31405,7 @@
                 <a:cs typeface="Calibri"/>
                 <a:sym typeface="Calibri"/>
               </a:rPr>
-              <a:t> - video demo</a:t>
+              <a:t>Cursor is an AI-first code editor built on VSCode, offering deeply integrated AI features like project-wide context, multi-model support (including GPT-4), and built-in AI chat for code generation, refactoring, and explanations</a:t>
             </a:r>
             <a:endParaRPr sz="1200">
               <a:solidFill>
@@ -30109,19 +31436,6 @@
               <a:buChar char="●"/>
             </a:pPr>
             <a:r>
-              <a:rPr lang="en" sz="1200" u="sng">
-                <a:solidFill>
-                  <a:schemeClr val="hlink"/>
-                </a:solidFill>
-                <a:latin typeface="Calibri"/>
-                <a:ea typeface="Calibri"/>
-                <a:cs typeface="Calibri"/>
-                <a:sym typeface="Calibri"/>
-                <a:hlinkClick r:id="rId8"/>
-              </a:rPr>
-              <a:t>https://zed.dev/ai</a:t>
-            </a:r>
-            <a:r>
               <a:rPr lang="en" sz="1200">
                 <a:solidFill>
                   <a:schemeClr val="dk1"/>
@@ -30131,7 +31445,7 @@
                 <a:cs typeface="Calibri"/>
                 <a:sym typeface="Calibri"/>
               </a:rPr>
-              <a:t> - Zed</a:t>
+              <a:t>Its AI can understand and edit across multiple files, provide plain-language debugging help, and enable real-time AI-assisted collaboration</a:t>
             </a:r>
             <a:endParaRPr sz="1200">
               <a:solidFill>
@@ -30162,19 +31476,6 @@
               <a:buChar char="●"/>
             </a:pPr>
             <a:r>
-              <a:rPr lang="en" sz="1200" u="sng">
-                <a:solidFill>
-                  <a:schemeClr val="hlink"/>
-                </a:solidFill>
-                <a:latin typeface="Calibri"/>
-                <a:ea typeface="Calibri"/>
-                <a:cs typeface="Calibri"/>
-                <a:sym typeface="Calibri"/>
-                <a:hlinkClick r:id="rId9"/>
-              </a:rPr>
-              <a:t>https://www.tabbyml.com</a:t>
-            </a:r>
-            <a:r>
               <a:rPr lang="en" sz="1200">
                 <a:solidFill>
                   <a:schemeClr val="dk1"/>
@@ -30184,83 +31485,66 @@
                 <a:cs typeface="Calibri"/>
                 <a:sym typeface="Calibri"/>
               </a:rPr>
-              <a:t> - Tabby</a:t>
+              <a:t>Cursor is best for users who want advanced AI capabilities, interactive learning, and creative coding support, especially beginners or those seeking hands-on AI guidance</a:t>
             </a:r>
             <a:endParaRPr sz="1200">
-              <a:solidFill>
-                <a:schemeClr val="dk1"/>
-              </a:solidFill>
               <a:latin typeface="Calibri"/>
               <a:ea typeface="Calibri"/>
               <a:cs typeface="Calibri"/>
               <a:sym typeface="Calibri"/>
             </a:endParaRPr>
           </a:p>
-          <a:p>
-            <a:pPr marL="171450" marR="0" lvl="0" indent="-133350" algn="l" rtl="0">
-              <a:lnSpc>
-                <a:spcPct val="100000"/>
-              </a:lnSpc>
-              <a:spcBef>
-                <a:spcPts val="0"/>
-              </a:spcBef>
-              <a:spcAft>
-                <a:spcPts val="0"/>
-              </a:spcAft>
-              <a:buClr>
-                <a:schemeClr val="dk1"/>
-              </a:buClr>
-              <a:buSzPts val="1200"/>
-              <a:buFont typeface="Calibri"/>
-              <a:buChar char="●"/>
-            </a:pPr>
-            <a:r>
-              <a:rPr lang="en" sz="1200" u="sng">
-                <a:solidFill>
-                  <a:schemeClr val="hlink"/>
-                </a:solidFill>
-                <a:latin typeface="Calibri"/>
-                <a:ea typeface="Calibri"/>
-                <a:cs typeface="Calibri"/>
-                <a:sym typeface="Calibri"/>
-                <a:hlinkClick r:id="rId10"/>
-              </a:rPr>
-              <a:t>https://voideditor.com</a:t>
-            </a:r>
-            <a:r>
-              <a:rPr lang="en" sz="1200">
-                <a:solidFill>
-                  <a:schemeClr val="dk1"/>
-                </a:solidFill>
-                <a:latin typeface="Calibri"/>
-                <a:ea typeface="Calibri"/>
-                <a:cs typeface="Calibri"/>
-                <a:sym typeface="Calibri"/>
-              </a:rPr>
-              <a:t> - Void</a:t>
-            </a:r>
-            <a:endParaRPr sz="1200">
-              <a:solidFill>
-                <a:schemeClr val="dk1"/>
-              </a:solidFill>
-              <a:latin typeface="Calibri"/>
-              <a:ea typeface="Calibri"/>
-              <a:cs typeface="Calibri"/>
-              <a:sym typeface="Calibri"/>
-            </a:endParaRPr>
-          </a:p>
         </p:txBody>
       </p:sp>
+      <p:pic>
+        <p:nvPicPr>
+          <p:cNvPr id="141" name="Google Shape;141;p23"/>
+          <p:cNvPicPr preferRelativeResize="0"/>
+          <p:nvPr/>
+        </p:nvPicPr>
+        <p:blipFill>
+          <a:blip r:embed="rId3" cstate="email">
+            <a:alphaModFix/>
+            <a:extLst>
+              <a:ext uri="{28A0092B-C50C-407E-A947-70E740481C1C}">
+                <a14:useLocalDpi xmlns:a14="http://schemas.microsoft.com/office/drawing/2010/main"/>
+              </a:ext>
+            </a:extLst>
+          </a:blip>
+          <a:stretch>
+            <a:fillRect/>
+          </a:stretch>
+        </p:blipFill>
+        <p:spPr>
+          <a:xfrm>
+            <a:off x="5627250" y="379149"/>
+            <a:ext cx="2541798" cy="1429751"/>
+          </a:xfrm>
+          <a:prstGeom prst="rect">
+            <a:avLst/>
+          </a:prstGeom>
+          <a:noFill/>
+          <a:ln w="9525" cap="flat" cmpd="sng">
+            <a:solidFill>
+              <a:srgbClr val="FF0000"/>
+            </a:solidFill>
+            <a:prstDash val="solid"/>
+            <a:round/>
+            <a:headEnd type="none" w="sm" len="sm"/>
+            <a:tailEnd type="none" w="sm" len="sm"/>
+          </a:ln>
+        </p:spPr>
+      </p:pic>
       <p:sp>
         <p:nvSpPr>
-          <p:cNvPr id="139" name="Google Shape;139;p23"/>
+          <p:cNvPr id="142" name="Google Shape;142;p23"/>
           <p:cNvSpPr txBox="1"/>
           <p:nvPr/>
         </p:nvSpPr>
         <p:spPr>
           <a:xfrm>
-            <a:off x="55075" y="4007275"/>
-            <a:ext cx="4452000" cy="942000"/>
+            <a:off x="55075" y="2824075"/>
+            <a:ext cx="4452000" cy="1496100"/>
           </a:xfrm>
           <a:prstGeom prst="rect">
             <a:avLst/>
@@ -30284,22 +31568,17 @@
           </a:bodyPr>
           <a:lstStyle/>
           <a:p>
-            <a:pPr marL="171450" marR="0" lvl="0" indent="-133350" algn="l" rtl="0">
-              <a:lnSpc>
-                <a:spcPct val="100000"/>
-              </a:lnSpc>
-              <a:spcBef>
-                <a:spcPts val="0"/>
-              </a:spcBef>
-              <a:spcAft>
-                <a:spcPts val="0"/>
-              </a:spcAft>
-              <a:buClr>
-                <a:schemeClr val="dk1"/>
-              </a:buClr>
-              <a:buSzPts val="1200"/>
-              <a:buFont typeface="Calibri"/>
-              <a:buChar char="●"/>
+            <a:pPr marL="0" marR="0" lvl="0" indent="0" algn="l" rtl="0">
+              <a:lnSpc>
+                <a:spcPct val="100000"/>
+              </a:lnSpc>
+              <a:spcBef>
+                <a:spcPts val="0"/>
+              </a:spcBef>
+              <a:spcAft>
+                <a:spcPts val="0"/>
+              </a:spcAft>
+              <a:buNone/>
             </a:pPr>
             <a:r>
               <a:rPr lang="en" sz="1200" b="1">
@@ -30311,7 +31590,7 @@
                 <a:cs typeface="Calibri"/>
                 <a:sym typeface="Calibri"/>
               </a:rPr>
-              <a:t>Microsoft AI Agent helps change Windows Settings</a:t>
+              <a:t>VSCode:</a:t>
             </a:r>
             <a:endParaRPr sz="1200" b="1">
               <a:solidFill>
@@ -30351,7 +31630,90 @@
                 <a:cs typeface="Calibri"/>
                 <a:sym typeface="Calibri"/>
               </a:rPr>
-              <a:t>Copilot+ PCs includes AI agents that can help you to find and change settings. All done with natural language prompting</a:t>
+              <a:t>VSCode remains a lightweight, highly customizable, and performance-focused editor with a massive extension ecosystem[2][4][5]. AI features (like GitHub Copilot) are added via extensions, typically focused on inline suggestions within single files. VSCode excels in speed, stability, and flexibility, making it ideal for experienced developers who value control, a streamlined environment, and rapid code completion[2][4][5].</a:t>
+            </a:r>
+            <a:endParaRPr sz="1200">
+              <a:latin typeface="Calibri"/>
+              <a:ea typeface="Calibri"/>
+              <a:cs typeface="Calibri"/>
+              <a:sym typeface="Calibri"/>
+            </a:endParaRPr>
+          </a:p>
+        </p:txBody>
+      </p:sp>
+      <p:sp>
+        <p:nvSpPr>
+          <p:cNvPr id="143" name="Google Shape;143;p23"/>
+          <p:cNvSpPr txBox="1"/>
+          <p:nvPr/>
+        </p:nvSpPr>
+        <p:spPr>
+          <a:xfrm>
+            <a:off x="4609675" y="2094750"/>
+            <a:ext cx="4452000" cy="1311300"/>
+          </a:xfrm>
+          <a:prstGeom prst="rect">
+            <a:avLst/>
+          </a:prstGeom>
+          <a:solidFill>
+            <a:srgbClr val="FFF2CC"/>
+          </a:solidFill>
+          <a:ln w="9525" cap="flat" cmpd="sng">
+            <a:solidFill>
+              <a:srgbClr val="FF0000"/>
+            </a:solidFill>
+            <a:prstDash val="solid"/>
+            <a:round/>
+            <a:headEnd type="none" w="sm" len="sm"/>
+            <a:tailEnd type="none" w="sm" len="sm"/>
+          </a:ln>
+        </p:spPr>
+        <p:txBody>
+          <a:bodyPr spcFirstLastPara="1" wrap="square" lIns="9125" tIns="9125" rIns="9125" bIns="9125" anchor="t" anchorCtr="0">
+            <a:spAutoFit/>
+          </a:bodyPr>
+          <a:lstStyle/>
+          <a:p>
+            <a:pPr marL="171450" marR="0" lvl="0" indent="-133350" algn="l" rtl="0">
+              <a:lnSpc>
+                <a:spcPct val="100000"/>
+              </a:lnSpc>
+              <a:spcBef>
+                <a:spcPts val="0"/>
+              </a:spcBef>
+              <a:spcAft>
+                <a:spcPts val="0"/>
+              </a:spcAft>
+              <a:buClr>
+                <a:schemeClr val="dk1"/>
+              </a:buClr>
+              <a:buSzPts val="1200"/>
+              <a:buFont typeface="Calibri"/>
+              <a:buChar char="●"/>
+            </a:pPr>
+            <a:r>
+              <a:rPr lang="en" sz="1200" b="1">
+                <a:solidFill>
+                  <a:srgbClr val="FF0000"/>
+                </a:solidFill>
+                <a:latin typeface="Calibri"/>
+                <a:ea typeface="Calibri"/>
+                <a:cs typeface="Calibri"/>
+                <a:sym typeface="Calibri"/>
+              </a:rPr>
+              <a:t>Cursor</a:t>
+            </a:r>
+            <a:r>
+              <a:rPr lang="en" sz="1200">
+                <a:solidFill>
+                  <a:schemeClr val="dk1"/>
+                </a:solidFill>
+                <a:latin typeface="Calibri"/>
+                <a:ea typeface="Calibri"/>
+                <a:cs typeface="Calibri"/>
+                <a:sym typeface="Calibri"/>
+              </a:rPr>
+              <a:t> - great for beginner, it understands the whole project, supports AI-powered collaboration and multi-file refactoring</a:t>
             </a:r>
             <a:endParaRPr sz="1200">
               <a:solidFill>
@@ -30364,6 +31726,29 @@
             </a:endParaRPr>
           </a:p>
           <a:p>
+            <a:pPr marL="0" marR="0" lvl="0" indent="0" algn="l" rtl="0">
+              <a:lnSpc>
+                <a:spcPct val="100000"/>
+              </a:lnSpc>
+              <a:spcBef>
+                <a:spcPts val="0"/>
+              </a:spcBef>
+              <a:spcAft>
+                <a:spcPts val="0"/>
+              </a:spcAft>
+              <a:buNone/>
+            </a:pPr>
+            <a:endParaRPr sz="1200">
+              <a:solidFill>
+                <a:schemeClr val="dk1"/>
+              </a:solidFill>
+              <a:latin typeface="Calibri"/>
+              <a:ea typeface="Calibri"/>
+              <a:cs typeface="Calibri"/>
+              <a:sym typeface="Calibri"/>
+            </a:endParaRPr>
+          </a:p>
+          <a:p>
             <a:pPr marL="171450" marR="0" lvl="0" indent="-133350" algn="l" rtl="0">
               <a:lnSpc>
                 <a:spcPct val="100000"/>
@@ -30382,34 +31767,106 @@
               <a:buChar char="●"/>
             </a:pPr>
             <a:r>
-              <a:rPr lang="en" sz="1200" u="sng">
-                <a:solidFill>
-                  <a:schemeClr val="hlink"/>
-                </a:solidFill>
-                <a:latin typeface="Calibri"/>
-                <a:ea typeface="Calibri"/>
-                <a:cs typeface="Calibri"/>
-                <a:sym typeface="Calibri"/>
-                <a:hlinkClick r:id="rId11"/>
-              </a:rPr>
-              <a:t>https://www.bleepingcomputer.com/news/microsoft/microsoft-unveils-new-ai-agents-that-can-modify-windows-settings/</a:t>
-            </a:r>
-            <a:r>
-              <a:rPr lang="en" sz="1200" u="sng">
-                <a:solidFill>
-                  <a:schemeClr val="hlink"/>
-                </a:solidFill>
-                <a:latin typeface="Calibri"/>
-                <a:ea typeface="Calibri"/>
-                <a:cs typeface="Calibri"/>
-                <a:sym typeface="Calibri"/>
-              </a:rPr>
-              <a:t> </a:t>
+              <a:rPr lang="en" sz="1200" b="1">
+                <a:solidFill>
+                  <a:srgbClr val="FF0000"/>
+                </a:solidFill>
+                <a:latin typeface="Calibri"/>
+                <a:ea typeface="Calibri"/>
+                <a:cs typeface="Calibri"/>
+                <a:sym typeface="Calibri"/>
+              </a:rPr>
+              <a:t>VSCode</a:t>
+            </a:r>
+            <a:r>
+              <a:rPr lang="en" sz="1200">
+                <a:solidFill>
+                  <a:schemeClr val="dk1"/>
+                </a:solidFill>
+                <a:latin typeface="Calibri"/>
+                <a:ea typeface="Calibri"/>
+                <a:cs typeface="Calibri"/>
+                <a:sym typeface="Calibri"/>
+              </a:rPr>
+              <a:t> - speed, stability, and broad extension support. Maximum customization and manual control for an experienced developer</a:t>
             </a:r>
             <a:endParaRPr sz="1200">
               <a:solidFill>
                 <a:schemeClr val="dk1"/>
               </a:solidFill>
+              <a:latin typeface="Calibri"/>
+              <a:ea typeface="Calibri"/>
+              <a:cs typeface="Calibri"/>
+              <a:sym typeface="Calibri"/>
+            </a:endParaRPr>
+          </a:p>
+          <a:p>
+            <a:pPr marL="0" marR="0" lvl="0" indent="0" algn="l" rtl="0">
+              <a:lnSpc>
+                <a:spcPct val="100000"/>
+              </a:lnSpc>
+              <a:spcBef>
+                <a:spcPts val="0"/>
+              </a:spcBef>
+              <a:spcAft>
+                <a:spcPts val="0"/>
+              </a:spcAft>
+              <a:buNone/>
+            </a:pPr>
+            <a:endParaRPr sz="1200">
+              <a:solidFill>
+                <a:schemeClr val="dk1"/>
+              </a:solidFill>
+              <a:latin typeface="Calibri"/>
+              <a:ea typeface="Calibri"/>
+              <a:cs typeface="Calibri"/>
+              <a:sym typeface="Calibri"/>
+            </a:endParaRPr>
+          </a:p>
+          <a:p>
+            <a:pPr marL="171450" marR="0" lvl="0" indent="-133350" algn="l" rtl="0">
+              <a:lnSpc>
+                <a:spcPct val="100000"/>
+              </a:lnSpc>
+              <a:spcBef>
+                <a:spcPts val="0"/>
+              </a:spcBef>
+              <a:spcAft>
+                <a:spcPts val="0"/>
+              </a:spcAft>
+              <a:buClr>
+                <a:schemeClr val="dk1"/>
+              </a:buClr>
+              <a:buSzPts val="1200"/>
+              <a:buFont typeface="Calibri"/>
+              <a:buChar char="●"/>
+            </a:pPr>
+            <a:r>
+              <a:rPr lang="en" sz="900" u="sng">
+                <a:solidFill>
+                  <a:schemeClr val="hlink"/>
+                </a:solidFill>
+                <a:latin typeface="Calibri"/>
+                <a:ea typeface="Calibri"/>
+                <a:cs typeface="Calibri"/>
+                <a:sym typeface="Calibri"/>
+                <a:hlinkClick r:id="rId4"/>
+              </a:rPr>
+              <a:t>https://techpoint.africa/guide/cursor-vs-vscode-vibe-coding-review/</a:t>
+            </a:r>
+            <a:r>
+              <a:rPr lang="en" sz="1200">
+                <a:solidFill>
+                  <a:schemeClr val="dk1"/>
+                </a:solidFill>
+                <a:latin typeface="Calibri"/>
+                <a:ea typeface="Calibri"/>
+                <a:cs typeface="Calibri"/>
+                <a:sym typeface="Calibri"/>
+              </a:rPr>
+              <a:t> </a:t>
+            </a:r>
+            <a:endParaRPr sz="1200">
               <a:latin typeface="Calibri"/>
               <a:ea typeface="Calibri"/>
               <a:cs typeface="Calibri"/>
